--- a/docs/slides/Unit13_Call Stack.pptx
+++ b/docs/slides/Unit13_Call Stack.pptx
@@ -5,10 +5,10 @@
     <p:sldMasterId id="2147485087" r:id="rId1"/>
   </p:sldMasterIdLst>
   <p:notesMasterIdLst>
-    <p:notesMasterId r:id="rId11"/>
+    <p:notesMasterId r:id="rId12"/>
   </p:notesMasterIdLst>
   <p:handoutMasterIdLst>
-    <p:handoutMasterId r:id="rId12"/>
+    <p:handoutMasterId r:id="rId13"/>
   </p:handoutMasterIdLst>
   <p:sldIdLst>
     <p:sldId id="256" r:id="rId2"/>
@@ -20,6 +20,7 @@
     <p:sldId id="603" r:id="rId8"/>
     <p:sldId id="605" r:id="rId9"/>
     <p:sldId id="606" r:id="rId10"/>
+    <p:sldId id="607" r:id="rId11"/>
   </p:sldIdLst>
   <p:sldSz cx="9144000" cy="6858000" type="screen4x3"/>
   <p:notesSz cx="7010400" cy="9296400"/>
@@ -184,45 +185,13 @@
 <file path=ppt/revisionInfo.xml><?xml version="1.0" encoding="utf-8"?>
 <p1510:revInfo xmlns:a="http://schemas.openxmlformats.org/drawingml/2006/main" xmlns:r="http://schemas.openxmlformats.org/officeDocument/2006/relationships" xmlns:p1510="http://schemas.microsoft.com/office/powerpoint/2015/10/main">
   <p1510:revLst>
-    <p1510:client id="{59046DAD-0983-499B-A34E-92F14665E86C}" v="2" dt="2024-01-31T05:36:30.261"/>
+    <p1510:client id="{F1F3A597-3417-40CE-AA4E-0F94F4AB282C}" v="198" dt="2024-02-20T01:21:40.657"/>
   </p1510:revLst>
 </p1510:revInfo>
 </file>
 
 <file path=ppt/changesInfos/changesInfo1.xml><?xml version="1.0" encoding="utf-8"?>
 <pc:chgInfo xmlns:a="http://schemas.openxmlformats.org/drawingml/2006/main" xmlns:r="http://schemas.openxmlformats.org/officeDocument/2006/relationships" xmlns:ac="http://schemas.microsoft.com/office/drawing/2013/main/command" xmlns:pc="http://schemas.microsoft.com/office/powerpoint/2013/main/command">
-  <pc:docChgLst>
-    <pc:chgData name="Zhao Jin" userId="S::dcszjin@nus.edu.sg::cd05a825-544c-438a-9ba1-08e63db50b47" providerId="AD" clId="Web-{66D5AB6E-AF24-491D-9529-2DDB49AD3149}"/>
-    <pc:docChg chg="modSld">
-      <pc:chgData name="Zhao Jin" userId="S::dcszjin@nus.edu.sg::cd05a825-544c-438a-9ba1-08e63db50b47" providerId="AD" clId="Web-{66D5AB6E-AF24-491D-9529-2DDB49AD3149}" dt="2021-01-20T08:43:03.224" v="8" actId="14100"/>
-      <pc:docMkLst>
-        <pc:docMk/>
-      </pc:docMkLst>
-      <pc:sldChg chg="modSp">
-        <pc:chgData name="Zhao Jin" userId="S::dcszjin@nus.edu.sg::cd05a825-544c-438a-9ba1-08e63db50b47" providerId="AD" clId="Web-{66D5AB6E-AF24-491D-9529-2DDB49AD3149}" dt="2021-01-20T08:43:03.224" v="8" actId="14100"/>
-        <pc:sldMkLst>
-          <pc:docMk/>
-          <pc:sldMk cId="901453530" sldId="546"/>
-        </pc:sldMkLst>
-        <pc:spChg chg="mod">
-          <ac:chgData name="Zhao Jin" userId="S::dcszjin@nus.edu.sg::cd05a825-544c-438a-9ba1-08e63db50b47" providerId="AD" clId="Web-{66D5AB6E-AF24-491D-9529-2DDB49AD3149}" dt="2021-01-20T08:43:03.224" v="8" actId="14100"/>
-          <ac:spMkLst>
-            <pc:docMk/>
-            <pc:sldMk cId="901453530" sldId="546"/>
-            <ac:spMk id="9" creationId="{00000000-0000-0000-0000-000000000000}"/>
-          </ac:spMkLst>
-        </pc:spChg>
-        <pc:spChg chg="mod">
-          <ac:chgData name="Zhao Jin" userId="S::dcszjin@nus.edu.sg::cd05a825-544c-438a-9ba1-08e63db50b47" providerId="AD" clId="Web-{66D5AB6E-AF24-491D-9529-2DDB49AD3149}" dt="2021-01-20T08:42:24.723" v="4" actId="1076"/>
-          <ac:spMkLst>
-            <pc:docMk/>
-            <pc:sldMk cId="901453530" sldId="546"/>
-            <ac:spMk id="14" creationId="{00000000-0000-0000-0000-000000000000}"/>
-          </ac:spMkLst>
-        </pc:spChg>
-      </pc:sldChg>
-    </pc:docChg>
-  </pc:docChgLst>
   <pc:docChgLst>
     <pc:chgData name="Zhao Jin" userId="cd05a825-544c-438a-9ba1-08e63db50b47" providerId="ADAL" clId="{3342749F-A4A3-4CC6-8E89-A279285BF1FF}"/>
     <pc:docChg chg="undo custSel addSld delSld modSld sldOrd">
@@ -1187,92 +1156,6 @@
     </pc:docChg>
   </pc:docChgLst>
   <pc:docChgLst>
-    <pc:chgData name="Zhao Jin" userId="cd05a825-544c-438a-9ba1-08e63db50b47" providerId="ADAL" clId="{BBE9D547-4B31-704D-9080-47B1CA4D9124}"/>
-    <pc:docChg chg="modSld">
-      <pc:chgData name="Zhao Jin" userId="cd05a825-544c-438a-9ba1-08e63db50b47" providerId="ADAL" clId="{BBE9D547-4B31-704D-9080-47B1CA4D9124}" dt="2021-01-18T05:40:31.767" v="29" actId="114"/>
-      <pc:docMkLst>
-        <pc:docMk/>
-      </pc:docMkLst>
-      <pc:sldChg chg="modSp modAnim">
-        <pc:chgData name="Zhao Jin" userId="cd05a825-544c-438a-9ba1-08e63db50b47" providerId="ADAL" clId="{BBE9D547-4B31-704D-9080-47B1CA4D9124}" dt="2021-01-18T05:39:25.523" v="25"/>
-        <pc:sldMkLst>
-          <pc:docMk/>
-          <pc:sldMk cId="4265878996" sldId="534"/>
-        </pc:sldMkLst>
-        <pc:spChg chg="mod">
-          <ac:chgData name="Zhao Jin" userId="cd05a825-544c-438a-9ba1-08e63db50b47" providerId="ADAL" clId="{BBE9D547-4B31-704D-9080-47B1CA4D9124}" dt="2021-01-18T05:37:47.985" v="5" actId="207"/>
-          <ac:spMkLst>
-            <pc:docMk/>
-            <pc:sldMk cId="4265878996" sldId="534"/>
-            <ac:spMk id="3" creationId="{00000000-0000-0000-0000-000000000000}"/>
-          </ac:spMkLst>
-        </pc:spChg>
-      </pc:sldChg>
-      <pc:sldChg chg="modSp">
-        <pc:chgData name="Zhao Jin" userId="cd05a825-544c-438a-9ba1-08e63db50b47" providerId="ADAL" clId="{BBE9D547-4B31-704D-9080-47B1CA4D9124}" dt="2021-01-18T05:40:31.767" v="29" actId="114"/>
-        <pc:sldMkLst>
-          <pc:docMk/>
-          <pc:sldMk cId="2851665547" sldId="538"/>
-        </pc:sldMkLst>
-        <pc:spChg chg="mod">
-          <ac:chgData name="Zhao Jin" userId="cd05a825-544c-438a-9ba1-08e63db50b47" providerId="ADAL" clId="{BBE9D547-4B31-704D-9080-47B1CA4D9124}" dt="2021-01-18T05:40:31.767" v="29" actId="114"/>
-          <ac:spMkLst>
-            <pc:docMk/>
-            <pc:sldMk cId="2851665547" sldId="538"/>
-            <ac:spMk id="13" creationId="{00000000-0000-0000-0000-000000000000}"/>
-          </ac:spMkLst>
-        </pc:spChg>
-      </pc:sldChg>
-    </pc:docChg>
-  </pc:docChgLst>
-  <pc:docChgLst>
-    <pc:chgData name="Zhao Jin" userId="cd05a825-544c-438a-9ba1-08e63db50b47" providerId="ADAL" clId="{59046DAD-0983-499B-A34E-92F14665E86C}"/>
-    <pc:docChg chg="undo custSel modSld">
-      <pc:chgData name="Zhao Jin" userId="cd05a825-544c-438a-9ba1-08e63db50b47" providerId="ADAL" clId="{59046DAD-0983-499B-A34E-92F14665E86C}" dt="2024-01-31T05:36:24.685" v="2" actId="22"/>
-      <pc:docMkLst>
-        <pc:docMk/>
-      </pc:docMkLst>
-      <pc:sldChg chg="addSp modSp">
-        <pc:chgData name="Zhao Jin" userId="cd05a825-544c-438a-9ba1-08e63db50b47" providerId="ADAL" clId="{59046DAD-0983-499B-A34E-92F14665E86C}" dt="2024-01-31T05:30:36.747" v="0"/>
-        <pc:sldMkLst>
-          <pc:docMk/>
-          <pc:sldMk cId="0" sldId="256"/>
-        </pc:sldMkLst>
-        <pc:spChg chg="add mod">
-          <ac:chgData name="Zhao Jin" userId="cd05a825-544c-438a-9ba1-08e63db50b47" providerId="ADAL" clId="{59046DAD-0983-499B-A34E-92F14665E86C}" dt="2024-01-31T05:30:36.747" v="0"/>
-          <ac:spMkLst>
-            <pc:docMk/>
-            <pc:sldMk cId="0" sldId="256"/>
-            <ac:spMk id="3" creationId="{5FBB6C58-B228-D947-3E1F-039D749A4DE2}"/>
-          </ac:spMkLst>
-        </pc:spChg>
-        <pc:picChg chg="add mod">
-          <ac:chgData name="Zhao Jin" userId="cd05a825-544c-438a-9ba1-08e63db50b47" providerId="ADAL" clId="{59046DAD-0983-499B-A34E-92F14665E86C}" dt="2024-01-31T05:30:36.747" v="0"/>
-          <ac:picMkLst>
-            <pc:docMk/>
-            <pc:sldMk cId="0" sldId="256"/>
-            <ac:picMk id="2" creationId="{B4DA49F8-E18F-52EC-1CF6-52AD84D6D83F}"/>
-          </ac:picMkLst>
-        </pc:picChg>
-      </pc:sldChg>
-      <pc:sldChg chg="addSp delSp mod">
-        <pc:chgData name="Zhao Jin" userId="cd05a825-544c-438a-9ba1-08e63db50b47" providerId="ADAL" clId="{59046DAD-0983-499B-A34E-92F14665E86C}" dt="2024-01-31T05:36:24.685" v="2" actId="22"/>
-        <pc:sldMkLst>
-          <pc:docMk/>
-          <pc:sldMk cId="2765734217" sldId="601"/>
-        </pc:sldMkLst>
-        <pc:spChg chg="add del">
-          <ac:chgData name="Zhao Jin" userId="cd05a825-544c-438a-9ba1-08e63db50b47" providerId="ADAL" clId="{59046DAD-0983-499B-A34E-92F14665E86C}" dt="2024-01-31T05:36:24.685" v="2" actId="22"/>
-          <ac:spMkLst>
-            <pc:docMk/>
-            <pc:sldMk cId="2765734217" sldId="601"/>
-            <ac:spMk id="3" creationId="{83DDACC3-8F87-0D8B-50AA-23C58918F391}"/>
-          </ac:spMkLst>
-        </pc:spChg>
-      </pc:sldChg>
-    </pc:docChg>
-  </pc:docChgLst>
-  <pc:docChgLst>
     <pc:chgData name="Zhao Jin" userId="cd05a825-544c-438a-9ba1-08e63db50b47" providerId="ADAL" clId="{E094A0D3-9008-D44F-B23F-E71F39C2BDEC}"/>
     <pc:docChg chg="undo custSel addSld delSld modSld sldOrd modMainMaster">
       <pc:chgData name="Zhao Jin" userId="cd05a825-544c-438a-9ba1-08e63db50b47" providerId="ADAL" clId="{E094A0D3-9008-D44F-B23F-E71F39C2BDEC}" dt="2021-01-27T05:44:46" v="1434" actId="207"/>
@@ -3434,6 +3317,53 @@
     </pc:docChg>
   </pc:docChgLst>
   <pc:docChgLst>
+    <pc:chgData name="Zhao Jin" userId="cd05a825-544c-438a-9ba1-08e63db50b47" providerId="ADAL" clId="{59046DAD-0983-499B-A34E-92F14665E86C}"/>
+    <pc:docChg chg="undo custSel modSld">
+      <pc:chgData name="Zhao Jin" userId="cd05a825-544c-438a-9ba1-08e63db50b47" providerId="ADAL" clId="{59046DAD-0983-499B-A34E-92F14665E86C}" dt="2024-01-31T05:36:24.685" v="2" actId="22"/>
+      <pc:docMkLst>
+        <pc:docMk/>
+      </pc:docMkLst>
+      <pc:sldChg chg="addSp modSp">
+        <pc:chgData name="Zhao Jin" userId="cd05a825-544c-438a-9ba1-08e63db50b47" providerId="ADAL" clId="{59046DAD-0983-499B-A34E-92F14665E86C}" dt="2024-01-31T05:30:36.747" v="0"/>
+        <pc:sldMkLst>
+          <pc:docMk/>
+          <pc:sldMk cId="0" sldId="256"/>
+        </pc:sldMkLst>
+        <pc:spChg chg="add mod">
+          <ac:chgData name="Zhao Jin" userId="cd05a825-544c-438a-9ba1-08e63db50b47" providerId="ADAL" clId="{59046DAD-0983-499B-A34E-92F14665E86C}" dt="2024-01-31T05:30:36.747" v="0"/>
+          <ac:spMkLst>
+            <pc:docMk/>
+            <pc:sldMk cId="0" sldId="256"/>
+            <ac:spMk id="3" creationId="{5FBB6C58-B228-D947-3E1F-039D749A4DE2}"/>
+          </ac:spMkLst>
+        </pc:spChg>
+        <pc:picChg chg="add mod">
+          <ac:chgData name="Zhao Jin" userId="cd05a825-544c-438a-9ba1-08e63db50b47" providerId="ADAL" clId="{59046DAD-0983-499B-A34E-92F14665E86C}" dt="2024-01-31T05:30:36.747" v="0"/>
+          <ac:picMkLst>
+            <pc:docMk/>
+            <pc:sldMk cId="0" sldId="256"/>
+            <ac:picMk id="2" creationId="{B4DA49F8-E18F-52EC-1CF6-52AD84D6D83F}"/>
+          </ac:picMkLst>
+        </pc:picChg>
+      </pc:sldChg>
+      <pc:sldChg chg="addSp delSp mod">
+        <pc:chgData name="Zhao Jin" userId="cd05a825-544c-438a-9ba1-08e63db50b47" providerId="ADAL" clId="{59046DAD-0983-499B-A34E-92F14665E86C}" dt="2024-01-31T05:36:24.685" v="2" actId="22"/>
+        <pc:sldMkLst>
+          <pc:docMk/>
+          <pc:sldMk cId="2765734217" sldId="601"/>
+        </pc:sldMkLst>
+        <pc:spChg chg="add del">
+          <ac:chgData name="Zhao Jin" userId="cd05a825-544c-438a-9ba1-08e63db50b47" providerId="ADAL" clId="{59046DAD-0983-499B-A34E-92F14665E86C}" dt="2024-01-31T05:36:24.685" v="2" actId="22"/>
+          <ac:spMkLst>
+            <pc:docMk/>
+            <pc:sldMk cId="2765734217" sldId="601"/>
+            <ac:spMk id="3" creationId="{83DDACC3-8F87-0D8B-50AA-23C58918F391}"/>
+          </ac:spMkLst>
+        </pc:spChg>
+      </pc:sldChg>
+    </pc:docChg>
+  </pc:docChgLst>
+  <pc:docChgLst>
     <pc:chgData name="Zhao Jin" userId="cd05a825-544c-438a-9ba1-08e63db50b47" providerId="ADAL" clId="{63175D14-72D3-4DB4-BBDA-4A46B1200BBD}"/>
     <pc:docChg chg="undo redo custSel addSld delSld modSld sldOrd modMainMaster">
       <pc:chgData name="Zhao Jin" userId="cd05a825-544c-438a-9ba1-08e63db50b47" providerId="ADAL" clId="{63175D14-72D3-4DB4-BBDA-4A46B1200BBD}" dt="2021-02-15T05:12:55.657" v="4376"/>
@@ -4573,236 +4503,466 @@
     </pc:docChg>
   </pc:docChgLst>
   <pc:docChgLst>
-    <pc:chgData name="Zhao Jin" userId="cd05a825-544c-438a-9ba1-08e63db50b47" providerId="ADAL" clId="{CD38D953-E846-244A-835A-192CE52710D4}"/>
-    <pc:docChg chg="undo custSel addSld delSld modSld">
-      <pc:chgData name="Zhao Jin" userId="cd05a825-544c-438a-9ba1-08e63db50b47" providerId="ADAL" clId="{CD38D953-E846-244A-835A-192CE52710D4}" dt="2021-01-25T03:26:17.801" v="482" actId="20577"/>
+    <pc:chgData name="Zhao Jin" userId="cd05a825-544c-438a-9ba1-08e63db50b47" providerId="ADAL" clId="{BBE9D547-4B31-704D-9080-47B1CA4D9124}"/>
+    <pc:docChg chg="modSld">
+      <pc:chgData name="Zhao Jin" userId="cd05a825-544c-438a-9ba1-08e63db50b47" providerId="ADAL" clId="{BBE9D547-4B31-704D-9080-47B1CA4D9124}" dt="2021-01-18T05:40:31.767" v="29" actId="114"/>
       <pc:docMkLst>
         <pc:docMk/>
       </pc:docMkLst>
-      <pc:sldChg chg="modSp addAnim delAnim modAnim">
-        <pc:chgData name="Zhao Jin" userId="cd05a825-544c-438a-9ba1-08e63db50b47" providerId="ADAL" clId="{CD38D953-E846-244A-835A-192CE52710D4}" dt="2021-01-25T03:18:14.928" v="172"/>
+      <pc:sldChg chg="modSp modAnim">
+        <pc:chgData name="Zhao Jin" userId="cd05a825-544c-438a-9ba1-08e63db50b47" providerId="ADAL" clId="{BBE9D547-4B31-704D-9080-47B1CA4D9124}" dt="2021-01-18T05:39:25.523" v="25"/>
         <pc:sldMkLst>
           <pc:docMk/>
-          <pc:sldMk cId="1311126165" sldId="485"/>
+          <pc:sldMk cId="4265878996" sldId="534"/>
         </pc:sldMkLst>
         <pc:spChg chg="mod">
-          <ac:chgData name="Zhao Jin" userId="cd05a825-544c-438a-9ba1-08e63db50b47" providerId="ADAL" clId="{CD38D953-E846-244A-835A-192CE52710D4}" dt="2021-01-25T03:16:30.240" v="159" actId="20577"/>
-          <ac:spMkLst>
-            <pc:docMk/>
-            <pc:sldMk cId="1311126165" sldId="485"/>
-            <ac:spMk id="11" creationId="{00000000-0000-0000-0000-000000000000}"/>
-          </ac:spMkLst>
-        </pc:spChg>
-        <pc:spChg chg="mod">
-          <ac:chgData name="Zhao Jin" userId="cd05a825-544c-438a-9ba1-08e63db50b47" providerId="ADAL" clId="{CD38D953-E846-244A-835A-192CE52710D4}" dt="2021-01-25T03:16:24.406" v="157" actId="1036"/>
-          <ac:spMkLst>
-            <pc:docMk/>
-            <pc:sldMk cId="1311126165" sldId="485"/>
-            <ac:spMk id="12" creationId="{149FB3A4-124F-4FB3-9CA1-6EA45A21DCBC}"/>
-          </ac:spMkLst>
-        </pc:spChg>
-        <pc:spChg chg="mod">
-          <ac:chgData name="Zhao Jin" userId="cd05a825-544c-438a-9ba1-08e63db50b47" providerId="ADAL" clId="{CD38D953-E846-244A-835A-192CE52710D4}" dt="2021-01-25T03:16:24.406" v="157" actId="1036"/>
-          <ac:spMkLst>
-            <pc:docMk/>
-            <pc:sldMk cId="1311126165" sldId="485"/>
-            <ac:spMk id="13" creationId="{24ED3F77-DB19-42FF-90A5-6260114FAC12}"/>
+          <ac:chgData name="Zhao Jin" userId="cd05a825-544c-438a-9ba1-08e63db50b47" providerId="ADAL" clId="{BBE9D547-4B31-704D-9080-47B1CA4D9124}" dt="2021-01-18T05:37:47.985" v="5" actId="207"/>
+          <ac:spMkLst>
+            <pc:docMk/>
+            <pc:sldMk cId="4265878996" sldId="534"/>
+            <ac:spMk id="3" creationId="{00000000-0000-0000-0000-000000000000}"/>
           </ac:spMkLst>
         </pc:spChg>
       </pc:sldChg>
       <pc:sldChg chg="modSp">
-        <pc:chgData name="Zhao Jin" userId="cd05a825-544c-438a-9ba1-08e63db50b47" providerId="ADAL" clId="{CD38D953-E846-244A-835A-192CE52710D4}" dt="2021-01-25T03:08:51.440" v="84" actId="20577"/>
+        <pc:chgData name="Zhao Jin" userId="cd05a825-544c-438a-9ba1-08e63db50b47" providerId="ADAL" clId="{BBE9D547-4B31-704D-9080-47B1CA4D9124}" dt="2021-01-18T05:40:31.767" v="29" actId="114"/>
         <pc:sldMkLst>
           <pc:docMk/>
-          <pc:sldMk cId="901453530" sldId="546"/>
+          <pc:sldMk cId="2851665547" sldId="538"/>
         </pc:sldMkLst>
         <pc:spChg chg="mod">
-          <ac:chgData name="Zhao Jin" userId="cd05a825-544c-438a-9ba1-08e63db50b47" providerId="ADAL" clId="{CD38D953-E846-244A-835A-192CE52710D4}" dt="2021-01-25T03:08:51.440" v="84" actId="20577"/>
-          <ac:spMkLst>
-            <pc:docMk/>
-            <pc:sldMk cId="901453530" sldId="546"/>
-            <ac:spMk id="8" creationId="{00000000-0000-0000-0000-000000000000}"/>
+          <ac:chgData name="Zhao Jin" userId="cd05a825-544c-438a-9ba1-08e63db50b47" providerId="ADAL" clId="{BBE9D547-4B31-704D-9080-47B1CA4D9124}" dt="2021-01-18T05:40:31.767" v="29" actId="114"/>
+          <ac:spMkLst>
+            <pc:docMk/>
+            <pc:sldMk cId="2851665547" sldId="538"/>
+            <ac:spMk id="13" creationId="{00000000-0000-0000-0000-000000000000}"/>
           </ac:spMkLst>
         </pc:spChg>
       </pc:sldChg>
-      <pc:sldChg chg="modSp">
-        <pc:chgData name="Zhao Jin" userId="cd05a825-544c-438a-9ba1-08e63db50b47" providerId="ADAL" clId="{CD38D953-E846-244A-835A-192CE52710D4}" dt="2021-01-25T03:11:48.514" v="112" actId="207"/>
+    </pc:docChg>
+  </pc:docChgLst>
+  <pc:docChgLst>
+    <pc:chgData name="Zhao Jin" userId="cd05a825-544c-438a-9ba1-08e63db50b47" providerId="ADAL" clId="{F1F3A597-3417-40CE-AA4E-0F94F4AB282C}"/>
+    <pc:docChg chg="undo custSel addSld delSld modSld">
+      <pc:chgData name="Zhao Jin" userId="cd05a825-544c-438a-9ba1-08e63db50b47" providerId="ADAL" clId="{F1F3A597-3417-40CE-AA4E-0F94F4AB282C}" dt="2024-02-20T01:26:12.217" v="1282" actId="1076"/>
+      <pc:docMkLst>
+        <pc:docMk/>
+      </pc:docMkLst>
+      <pc:sldChg chg="addSp delSp modSp mod delAnim modAnim">
+        <pc:chgData name="Zhao Jin" userId="cd05a825-544c-438a-9ba1-08e63db50b47" providerId="ADAL" clId="{F1F3A597-3417-40CE-AA4E-0F94F4AB282C}" dt="2024-02-20T01:26:12.217" v="1282" actId="1076"/>
         <pc:sldMkLst>
           <pc:docMk/>
-          <pc:sldMk cId="884841463" sldId="547"/>
+          <pc:sldMk cId="1427618944" sldId="553"/>
         </pc:sldMkLst>
-        <pc:spChg chg="mod">
-          <ac:chgData name="Zhao Jin" userId="cd05a825-544c-438a-9ba1-08e63db50b47" providerId="ADAL" clId="{CD38D953-E846-244A-835A-192CE52710D4}" dt="2021-01-25T03:11:48.514" v="112" actId="207"/>
-          <ac:spMkLst>
-            <pc:docMk/>
-            <pc:sldMk cId="884841463" sldId="547"/>
+        <pc:spChg chg="add mod">
+          <ac:chgData name="Zhao Jin" userId="cd05a825-544c-438a-9ba1-08e63db50b47" providerId="ADAL" clId="{F1F3A597-3417-40CE-AA4E-0F94F4AB282C}" dt="2024-02-20T01:26:12.217" v="1282" actId="1076"/>
+          <ac:spMkLst>
+            <pc:docMk/>
+            <pc:sldMk cId="1427618944" sldId="553"/>
+            <ac:spMk id="3" creationId="{5B24605A-C033-C70C-EC96-D6A039783C0D}"/>
+          </ac:spMkLst>
+        </pc:spChg>
+        <pc:spChg chg="add del mod">
+          <ac:chgData name="Zhao Jin" userId="cd05a825-544c-438a-9ba1-08e63db50b47" providerId="ADAL" clId="{F1F3A597-3417-40CE-AA4E-0F94F4AB282C}" dt="2024-02-19T03:30:28.237" v="237" actId="478"/>
+          <ac:spMkLst>
+            <pc:docMk/>
+            <pc:sldMk cId="1427618944" sldId="553"/>
+            <ac:spMk id="4" creationId="{D4F7C5A2-2514-1624-BDBB-6D4C9E6D5367}"/>
+          </ac:spMkLst>
+        </pc:spChg>
+        <pc:spChg chg="add mod">
+          <ac:chgData name="Zhao Jin" userId="cd05a825-544c-438a-9ba1-08e63db50b47" providerId="ADAL" clId="{F1F3A597-3417-40CE-AA4E-0F94F4AB282C}" dt="2024-02-19T03:30:31.757" v="239" actId="1076"/>
+          <ac:spMkLst>
+            <pc:docMk/>
+            <pc:sldMk cId="1427618944" sldId="553"/>
+            <ac:spMk id="5" creationId="{BEAC0B58-C8D7-4181-AD5C-0A19605300E4}"/>
+          </ac:spMkLst>
+        </pc:spChg>
+        <pc:spChg chg="mod">
+          <ac:chgData name="Zhao Jin" userId="cd05a825-544c-438a-9ba1-08e63db50b47" providerId="ADAL" clId="{F1F3A597-3417-40CE-AA4E-0F94F4AB282C}" dt="2024-02-20T01:26:00.219" v="1277" actId="20577"/>
+          <ac:spMkLst>
+            <pc:docMk/>
+            <pc:sldMk cId="1427618944" sldId="553"/>
             <ac:spMk id="8" creationId="{00000000-0000-0000-0000-000000000000}"/>
           </ac:spMkLst>
         </pc:spChg>
+        <pc:spChg chg="mod">
+          <ac:chgData name="Zhao Jin" userId="cd05a825-544c-438a-9ba1-08e63db50b47" providerId="ADAL" clId="{F1F3A597-3417-40CE-AA4E-0F94F4AB282C}" dt="2024-02-20T01:26:10.386" v="1280" actId="14100"/>
+          <ac:spMkLst>
+            <pc:docMk/>
+            <pc:sldMk cId="1427618944" sldId="553"/>
+            <ac:spMk id="23" creationId="{17C73AB6-5FD2-461A-932B-CA3CD5180A29}"/>
+          </ac:spMkLst>
+        </pc:spChg>
+        <pc:spChg chg="mod">
+          <ac:chgData name="Zhao Jin" userId="cd05a825-544c-438a-9ba1-08e63db50b47" providerId="ADAL" clId="{F1F3A597-3417-40CE-AA4E-0F94F4AB282C}" dt="2024-02-20T01:06:53.253" v="818" actId="1076"/>
+          <ac:spMkLst>
+            <pc:docMk/>
+            <pc:sldMk cId="1427618944" sldId="553"/>
+            <ac:spMk id="26" creationId="{789152FA-CB97-4D0C-905D-56FC295FA4A6}"/>
+          </ac:spMkLst>
+        </pc:spChg>
+        <pc:spChg chg="mod">
+          <ac:chgData name="Zhao Jin" userId="cd05a825-544c-438a-9ba1-08e63db50b47" providerId="ADAL" clId="{F1F3A597-3417-40CE-AA4E-0F94F4AB282C}" dt="2024-02-19T03:30:19.859" v="231" actId="14100"/>
+          <ac:spMkLst>
+            <pc:docMk/>
+            <pc:sldMk cId="1427618944" sldId="553"/>
+            <ac:spMk id="27" creationId="{794E52C9-9F40-4A90-82D0-522539F4C25B}"/>
+          </ac:spMkLst>
+        </pc:spChg>
       </pc:sldChg>
-      <pc:sldChg chg="modSp">
-        <pc:chgData name="Zhao Jin" userId="cd05a825-544c-438a-9ba1-08e63db50b47" providerId="ADAL" clId="{CD38D953-E846-244A-835A-192CE52710D4}" dt="2021-01-25T03:10:55.270" v="107" actId="20577"/>
+      <pc:sldChg chg="addSp delSp modSp mod modAnim">
+        <pc:chgData name="Zhao Jin" userId="cd05a825-544c-438a-9ba1-08e63db50b47" providerId="ADAL" clId="{F1F3A597-3417-40CE-AA4E-0F94F4AB282C}" dt="2024-02-20T01:13:13.414" v="872"/>
         <pc:sldMkLst>
           <pc:docMk/>
-          <pc:sldMk cId="1617257579" sldId="548"/>
+          <pc:sldMk cId="2765734217" sldId="601"/>
         </pc:sldMkLst>
-        <pc:spChg chg="mod">
-          <ac:chgData name="Zhao Jin" userId="cd05a825-544c-438a-9ba1-08e63db50b47" providerId="ADAL" clId="{CD38D953-E846-244A-835A-192CE52710D4}" dt="2021-01-25T03:10:55.270" v="107" actId="20577"/>
-          <ac:spMkLst>
-            <pc:docMk/>
-            <pc:sldMk cId="1617257579" sldId="548"/>
+        <pc:spChg chg="add del mod">
+          <ac:chgData name="Zhao Jin" userId="cd05a825-544c-438a-9ba1-08e63db50b47" providerId="ADAL" clId="{F1F3A597-3417-40CE-AA4E-0F94F4AB282C}" dt="2024-02-20T01:11:19.443" v="845" actId="478"/>
+          <ac:spMkLst>
+            <pc:docMk/>
+            <pc:sldMk cId="2765734217" sldId="601"/>
+            <ac:spMk id="2" creationId="{1519356D-C251-53CA-E02D-D755CE382452}"/>
+          </ac:spMkLst>
+        </pc:spChg>
+        <pc:spChg chg="add del mod">
+          <ac:chgData name="Zhao Jin" userId="cd05a825-544c-438a-9ba1-08e63db50b47" providerId="ADAL" clId="{F1F3A597-3417-40CE-AA4E-0F94F4AB282C}" dt="2024-02-20T01:11:20.155" v="846" actId="478"/>
+          <ac:spMkLst>
+            <pc:docMk/>
+            <pc:sldMk cId="2765734217" sldId="601"/>
+            <ac:spMk id="3" creationId="{BBF7327F-66E4-2E17-BCF5-F2E5FDA3711B}"/>
+          </ac:spMkLst>
+        </pc:spChg>
+        <pc:spChg chg="add mod">
+          <ac:chgData name="Zhao Jin" userId="cd05a825-544c-438a-9ba1-08e63db50b47" providerId="ADAL" clId="{F1F3A597-3417-40CE-AA4E-0F94F4AB282C}" dt="2024-02-20T01:11:49.726" v="853" actId="14100"/>
+          <ac:spMkLst>
+            <pc:docMk/>
+            <pc:sldMk cId="2765734217" sldId="601"/>
+            <ac:spMk id="5" creationId="{395D35FB-D5C0-DE5E-A61C-35B8237618DC}"/>
+          </ac:spMkLst>
+        </pc:spChg>
+        <pc:spChg chg="add mod">
+          <ac:chgData name="Zhao Jin" userId="cd05a825-544c-438a-9ba1-08e63db50b47" providerId="ADAL" clId="{F1F3A597-3417-40CE-AA4E-0F94F4AB282C}" dt="2024-02-20T01:12:01.446" v="859" actId="1076"/>
+          <ac:spMkLst>
+            <pc:docMk/>
+            <pc:sldMk cId="2765734217" sldId="601"/>
+            <ac:spMk id="6" creationId="{7602365E-BE5D-A4DC-8901-DF13C5A55BA8}"/>
+          </ac:spMkLst>
+        </pc:spChg>
+        <pc:spChg chg="mod">
+          <ac:chgData name="Zhao Jin" userId="cd05a825-544c-438a-9ba1-08e63db50b47" providerId="ADAL" clId="{F1F3A597-3417-40CE-AA4E-0F94F4AB282C}" dt="2024-02-20T01:09:41.364" v="832" actId="1076"/>
+          <ac:spMkLst>
+            <pc:docMk/>
+            <pc:sldMk cId="2765734217" sldId="601"/>
             <ac:spMk id="8" creationId="{00000000-0000-0000-0000-000000000000}"/>
           </ac:spMkLst>
         </pc:spChg>
-        <pc:spChg chg="mod">
-          <ac:chgData name="Zhao Jin" userId="cd05a825-544c-438a-9ba1-08e63db50b47" providerId="ADAL" clId="{CD38D953-E846-244A-835A-192CE52710D4}" dt="2021-01-25T03:09:46.206" v="102" actId="1035"/>
-          <ac:spMkLst>
-            <pc:docMk/>
-            <pc:sldMk cId="1617257579" sldId="548"/>
-            <ac:spMk id="9" creationId="{00000000-0000-0000-0000-000000000000}"/>
-          </ac:spMkLst>
-        </pc:spChg>
       </pc:sldChg>
-      <pc:sldChg chg="addSp delSp modSp delAnim modAnim">
-        <pc:chgData name="Zhao Jin" userId="cd05a825-544c-438a-9ba1-08e63db50b47" providerId="ADAL" clId="{CD38D953-E846-244A-835A-192CE52710D4}" dt="2021-01-25T03:24:05.008" v="382"/>
+      <pc:sldChg chg="modSp mod modAnim">
+        <pc:chgData name="Zhao Jin" userId="cd05a825-544c-438a-9ba1-08e63db50b47" providerId="ADAL" clId="{F1F3A597-3417-40CE-AA4E-0F94F4AB282C}" dt="2024-02-20T01:08:54.730" v="828"/>
         <pc:sldMkLst>
           <pc:docMk/>
-          <pc:sldMk cId="3394924879" sldId="549"/>
+          <pc:sldMk cId="193223856" sldId="602"/>
         </pc:sldMkLst>
         <pc:spChg chg="mod">
-          <ac:chgData name="Zhao Jin" userId="cd05a825-544c-438a-9ba1-08e63db50b47" providerId="ADAL" clId="{CD38D953-E846-244A-835A-192CE52710D4}" dt="2021-01-25T02:21:10.043" v="62" actId="20577"/>
-          <ac:spMkLst>
-            <pc:docMk/>
-            <pc:sldMk cId="3394924879" sldId="549"/>
-            <ac:spMk id="10" creationId="{00000000-0000-0000-0000-000000000000}"/>
+          <ac:chgData name="Zhao Jin" userId="cd05a825-544c-438a-9ba1-08e63db50b47" providerId="ADAL" clId="{F1F3A597-3417-40CE-AA4E-0F94F4AB282C}" dt="2024-02-20T01:08:37.062" v="826" actId="403"/>
+          <ac:spMkLst>
+            <pc:docMk/>
+            <pc:sldMk cId="193223856" sldId="602"/>
+            <ac:spMk id="8" creationId="{00000000-0000-0000-0000-000000000000}"/>
+          </ac:spMkLst>
+        </pc:spChg>
+        <pc:spChg chg="mod">
+          <ac:chgData name="Zhao Jin" userId="cd05a825-544c-438a-9ba1-08e63db50b47" providerId="ADAL" clId="{F1F3A597-3417-40CE-AA4E-0F94F4AB282C}" dt="2024-02-20T01:08:43.906" v="827" actId="1076"/>
+          <ac:spMkLst>
+            <pc:docMk/>
+            <pc:sldMk cId="193223856" sldId="602"/>
+            <ac:spMk id="13" creationId="{F12A83F7-3C0E-480B-A0B1-06F9BFB25124}"/>
+          </ac:spMkLst>
+        </pc:spChg>
+      </pc:sldChg>
+      <pc:sldChg chg="addSp delSp modSp mod">
+        <pc:chgData name="Zhao Jin" userId="cd05a825-544c-438a-9ba1-08e63db50b47" providerId="ADAL" clId="{F1F3A597-3417-40CE-AA4E-0F94F4AB282C}" dt="2024-02-19T04:21:21.496" v="811" actId="13926"/>
+        <pc:sldMkLst>
+          <pc:docMk/>
+          <pc:sldMk cId="3367516905" sldId="603"/>
+        </pc:sldMkLst>
+        <pc:spChg chg="add del mod">
+          <ac:chgData name="Zhao Jin" userId="cd05a825-544c-438a-9ba1-08e63db50b47" providerId="ADAL" clId="{F1F3A597-3417-40CE-AA4E-0F94F4AB282C}" dt="2024-02-19T04:17:09.798" v="497" actId="478"/>
+          <ac:spMkLst>
+            <pc:docMk/>
+            <pc:sldMk cId="3367516905" sldId="603"/>
+            <ac:spMk id="3" creationId="{D94B9984-C7C9-01B2-B55D-09A9B298ECB2}"/>
+          </ac:spMkLst>
+        </pc:spChg>
+        <pc:spChg chg="add del mod">
+          <ac:chgData name="Zhao Jin" userId="cd05a825-544c-438a-9ba1-08e63db50b47" providerId="ADAL" clId="{F1F3A597-3417-40CE-AA4E-0F94F4AB282C}" dt="2024-02-19T04:17:08.997" v="496" actId="478"/>
+          <ac:spMkLst>
+            <pc:docMk/>
+            <pc:sldMk cId="3367516905" sldId="603"/>
+            <ac:spMk id="6" creationId="{BD69058C-0C02-3DE6-F7A8-E39D6C1E1D8D}"/>
+          </ac:spMkLst>
+        </pc:spChg>
+        <pc:spChg chg="del mod">
+          <ac:chgData name="Zhao Jin" userId="cd05a825-544c-438a-9ba1-08e63db50b47" providerId="ADAL" clId="{F1F3A597-3417-40CE-AA4E-0F94F4AB282C}" dt="2024-02-19T04:17:06.408" v="495" actId="478"/>
+          <ac:spMkLst>
+            <pc:docMk/>
+            <pc:sldMk cId="3367516905" sldId="603"/>
+            <ac:spMk id="8" creationId="{00000000-0000-0000-0000-000000000000}"/>
           </ac:spMkLst>
         </pc:spChg>
         <pc:spChg chg="add mod">
-          <ac:chgData name="Zhao Jin" userId="cd05a825-544c-438a-9ba1-08e63db50b47" providerId="ADAL" clId="{CD38D953-E846-244A-835A-192CE52710D4}" dt="2021-01-25T03:23:28.207" v="376" actId="1076"/>
-          <ac:spMkLst>
-            <pc:docMk/>
-            <pc:sldMk cId="3394924879" sldId="549"/>
-            <ac:spMk id="11" creationId="{CF30CDDD-4206-994C-A14B-ADCEC7C6B094}"/>
+          <ac:chgData name="Zhao Jin" userId="cd05a825-544c-438a-9ba1-08e63db50b47" providerId="ADAL" clId="{F1F3A597-3417-40CE-AA4E-0F94F4AB282C}" dt="2024-02-19T04:21:21.496" v="811" actId="13926"/>
+          <ac:spMkLst>
+            <pc:docMk/>
+            <pc:sldMk cId="3367516905" sldId="603"/>
+            <ac:spMk id="9" creationId="{40E6B3F9-DCBC-DF20-8B9D-D6063B687047}"/>
+          </ac:spMkLst>
+        </pc:spChg>
+      </pc:sldChg>
+      <pc:sldChg chg="addSp delSp modSp mod delAnim modAnim">
+        <pc:chgData name="Zhao Jin" userId="cd05a825-544c-438a-9ba1-08e63db50b47" providerId="ADAL" clId="{F1F3A597-3417-40CE-AA4E-0F94F4AB282C}" dt="2024-02-20T01:14:16.976" v="873"/>
+        <pc:sldMkLst>
+          <pc:docMk/>
+          <pc:sldMk cId="600747522" sldId="604"/>
+        </pc:sldMkLst>
+        <pc:spChg chg="add mod">
+          <ac:chgData name="Zhao Jin" userId="cd05a825-544c-438a-9ba1-08e63db50b47" providerId="ADAL" clId="{F1F3A597-3417-40CE-AA4E-0F94F4AB282C}" dt="2024-02-19T04:20:54.931" v="809" actId="14100"/>
+          <ac:spMkLst>
+            <pc:docMk/>
+            <pc:sldMk cId="600747522" sldId="604"/>
+            <ac:spMk id="5" creationId="{4AE3994A-05D5-3E99-9D62-CA5690DFC342}"/>
+          </ac:spMkLst>
+        </pc:spChg>
+        <pc:spChg chg="mod">
+          <ac:chgData name="Zhao Jin" userId="cd05a825-544c-438a-9ba1-08e63db50b47" providerId="ADAL" clId="{F1F3A597-3417-40CE-AA4E-0F94F4AB282C}" dt="2024-02-19T04:23:05.575" v="815" actId="207"/>
+          <ac:spMkLst>
+            <pc:docMk/>
+            <pc:sldMk cId="600747522" sldId="604"/>
+            <ac:spMk id="8" creationId="{00000000-0000-0000-0000-000000000000}"/>
+          </ac:spMkLst>
+        </pc:spChg>
+        <pc:spChg chg="del mod">
+          <ac:chgData name="Zhao Jin" userId="cd05a825-544c-438a-9ba1-08e63db50b47" providerId="ADAL" clId="{F1F3A597-3417-40CE-AA4E-0F94F4AB282C}" dt="2024-02-19T04:19:05.765" v="682" actId="478"/>
+          <ac:spMkLst>
+            <pc:docMk/>
+            <pc:sldMk cId="600747522" sldId="604"/>
+            <ac:spMk id="13" creationId="{3F5541F9-2A29-4702-81DB-9113464D6256}"/>
+          </ac:spMkLst>
+        </pc:spChg>
+        <pc:cxnChg chg="add mod">
+          <ac:chgData name="Zhao Jin" userId="cd05a825-544c-438a-9ba1-08e63db50b47" providerId="ADAL" clId="{F1F3A597-3417-40CE-AA4E-0F94F4AB282C}" dt="2024-02-19T03:36:45.745" v="335" actId="14100"/>
+          <ac:cxnSpMkLst>
+            <pc:docMk/>
+            <pc:sldMk cId="600747522" sldId="604"/>
+            <ac:cxnSpMk id="4" creationId="{05836CB0-D4F5-A853-9090-1FFB00D8EE48}"/>
+          </ac:cxnSpMkLst>
+        </pc:cxnChg>
+        <pc:cxnChg chg="add del">
+          <ac:chgData name="Zhao Jin" userId="cd05a825-544c-438a-9ba1-08e63db50b47" providerId="ADAL" clId="{F1F3A597-3417-40CE-AA4E-0F94F4AB282C}" dt="2024-02-19T04:17:32.536" v="500" actId="478"/>
+          <ac:cxnSpMkLst>
+            <pc:docMk/>
+            <pc:sldMk cId="600747522" sldId="604"/>
+            <ac:cxnSpMk id="9" creationId="{F3038EAF-AF17-4A89-988D-17592CF9D3C5}"/>
+          </ac:cxnSpMkLst>
+        </pc:cxnChg>
+        <pc:cxnChg chg="add mod">
+          <ac:chgData name="Zhao Jin" userId="cd05a825-544c-438a-9ba1-08e63db50b47" providerId="ADAL" clId="{F1F3A597-3417-40CE-AA4E-0F94F4AB282C}" dt="2024-02-19T03:36:32.479" v="334" actId="14100"/>
+          <ac:cxnSpMkLst>
+            <pc:docMk/>
+            <pc:sldMk cId="600747522" sldId="604"/>
+            <ac:cxnSpMk id="10" creationId="{1EAE10E3-8B14-B995-93FE-BD466BD11649}"/>
+          </ac:cxnSpMkLst>
+        </pc:cxnChg>
+      </pc:sldChg>
+      <pc:sldChg chg="addSp delSp modSp mod delAnim">
+        <pc:chgData name="Zhao Jin" userId="cd05a825-544c-438a-9ba1-08e63db50b47" providerId="ADAL" clId="{F1F3A597-3417-40CE-AA4E-0F94F4AB282C}" dt="2024-02-19T04:23:56.331" v="816" actId="478"/>
+        <pc:sldMkLst>
+          <pc:docMk/>
+          <pc:sldMk cId="934825191" sldId="605"/>
+        </pc:sldMkLst>
+        <pc:spChg chg="mod">
+          <ac:chgData name="Zhao Jin" userId="cd05a825-544c-438a-9ba1-08e63db50b47" providerId="ADAL" clId="{F1F3A597-3417-40CE-AA4E-0F94F4AB282C}" dt="2024-02-19T03:35:02.398" v="316" actId="1076"/>
+          <ac:spMkLst>
+            <pc:docMk/>
+            <pc:sldMk cId="934825191" sldId="605"/>
+            <ac:spMk id="8" creationId="{00000000-0000-0000-0000-000000000000}"/>
+          </ac:spMkLst>
+        </pc:spChg>
+        <pc:spChg chg="mod">
+          <ac:chgData name="Zhao Jin" userId="cd05a825-544c-438a-9ba1-08e63db50b47" providerId="ADAL" clId="{F1F3A597-3417-40CE-AA4E-0F94F4AB282C}" dt="2024-02-19T03:35:20.572" v="323" actId="6549"/>
+          <ac:spMkLst>
+            <pc:docMk/>
+            <pc:sldMk cId="934825191" sldId="605"/>
+            <ac:spMk id="11" creationId="{77437CA0-C20C-4626-A0E0-998E2B6D678A}"/>
+          </ac:spMkLst>
+        </pc:spChg>
+        <pc:spChg chg="mod">
+          <ac:chgData name="Zhao Jin" userId="cd05a825-544c-438a-9ba1-08e63db50b47" providerId="ADAL" clId="{F1F3A597-3417-40CE-AA4E-0F94F4AB282C}" dt="2024-02-19T03:37:19.679" v="339" actId="20577"/>
+          <ac:spMkLst>
+            <pc:docMk/>
+            <pc:sldMk cId="934825191" sldId="605"/>
+            <ac:spMk id="13" creationId="{35357FA8-4662-4E00-A4CC-337EA26A680D}"/>
+          </ac:spMkLst>
+        </pc:spChg>
+        <pc:spChg chg="del">
+          <ac:chgData name="Zhao Jin" userId="cd05a825-544c-438a-9ba1-08e63db50b47" providerId="ADAL" clId="{F1F3A597-3417-40CE-AA4E-0F94F4AB282C}" dt="2024-02-19T04:23:56.331" v="816" actId="478"/>
+          <ac:spMkLst>
+            <pc:docMk/>
+            <pc:sldMk cId="934825191" sldId="605"/>
+            <ac:spMk id="14" creationId="{ABCDA235-E9FB-46F0-BDE6-5C946D40DFEF}"/>
+          </ac:spMkLst>
+        </pc:spChg>
+        <pc:cxnChg chg="add del mod">
+          <ac:chgData name="Zhao Jin" userId="cd05a825-544c-438a-9ba1-08e63db50b47" providerId="ADAL" clId="{F1F3A597-3417-40CE-AA4E-0F94F4AB282C}" dt="2024-02-19T03:35:18.206" v="321" actId="478"/>
+          <ac:cxnSpMkLst>
+            <pc:docMk/>
+            <pc:sldMk cId="934825191" sldId="605"/>
+            <ac:cxnSpMk id="4" creationId="{232922D7-2C46-FE4F-4CE1-95E11DA5DC67}"/>
+          </ac:cxnSpMkLst>
+        </pc:cxnChg>
+        <pc:cxnChg chg="add del mod">
+          <ac:chgData name="Zhao Jin" userId="cd05a825-544c-438a-9ba1-08e63db50b47" providerId="ADAL" clId="{F1F3A597-3417-40CE-AA4E-0F94F4AB282C}" dt="2024-02-19T03:35:21.863" v="324" actId="478"/>
+          <ac:cxnSpMkLst>
+            <pc:docMk/>
+            <pc:sldMk cId="934825191" sldId="605"/>
+            <ac:cxnSpMk id="9" creationId="{6C0D7C5A-1383-B6CC-D2EC-8B91837B461D}"/>
+          </ac:cxnSpMkLst>
+        </pc:cxnChg>
+      </pc:sldChg>
+      <pc:sldChg chg="delSp modSp add del mod">
+        <pc:chgData name="Zhao Jin" userId="cd05a825-544c-438a-9ba1-08e63db50b47" providerId="ADAL" clId="{F1F3A597-3417-40CE-AA4E-0F94F4AB282C}" dt="2024-02-19T04:16:07.112" v="479" actId="47"/>
+        <pc:sldMkLst>
+          <pc:docMk/>
+          <pc:sldMk cId="2676076421" sldId="607"/>
+        </pc:sldMkLst>
+        <pc:spChg chg="mod">
+          <ac:chgData name="Zhao Jin" userId="cd05a825-544c-438a-9ba1-08e63db50b47" providerId="ADAL" clId="{F1F3A597-3417-40CE-AA4E-0F94F4AB282C}" dt="2024-02-19T04:14:32.497" v="411" actId="5793"/>
+          <ac:spMkLst>
+            <pc:docMk/>
+            <pc:sldMk cId="2676076421" sldId="607"/>
+            <ac:spMk id="8" creationId="{A1D9F631-DE98-3617-9857-6D3E72B88DFD}"/>
+          </ac:spMkLst>
+        </pc:spChg>
+        <pc:spChg chg="mod">
+          <ac:chgData name="Zhao Jin" userId="cd05a825-544c-438a-9ba1-08e63db50b47" providerId="ADAL" clId="{F1F3A597-3417-40CE-AA4E-0F94F4AB282C}" dt="2024-02-19T04:15:00.806" v="476" actId="20577"/>
+          <ac:spMkLst>
+            <pc:docMk/>
+            <pc:sldMk cId="2676076421" sldId="607"/>
+            <ac:spMk id="11" creationId="{9D0E5D47-6039-FC36-56C4-6742D11E621E}"/>
+          </ac:spMkLst>
+        </pc:spChg>
+        <pc:spChg chg="del">
+          <ac:chgData name="Zhao Jin" userId="cd05a825-544c-438a-9ba1-08e63db50b47" providerId="ADAL" clId="{F1F3A597-3417-40CE-AA4E-0F94F4AB282C}" dt="2024-02-19T04:15:32.301" v="478" actId="478"/>
+          <ac:spMkLst>
+            <pc:docMk/>
+            <pc:sldMk cId="2676076421" sldId="607"/>
+            <ac:spMk id="15" creationId="{B2590175-DEEF-F1E4-6681-7AC1B90F2EF0}"/>
+          </ac:spMkLst>
+        </pc:spChg>
+        <pc:spChg chg="mod">
+          <ac:chgData name="Zhao Jin" userId="cd05a825-544c-438a-9ba1-08e63db50b47" providerId="ADAL" clId="{F1F3A597-3417-40CE-AA4E-0F94F4AB282C}" dt="2024-02-19T04:12:59.773" v="363" actId="20577"/>
+          <ac:spMkLst>
+            <pc:docMk/>
+            <pc:sldMk cId="2676076421" sldId="607"/>
+            <ac:spMk id="14338" creationId="{6AEEF667-EB7F-9C37-3CE4-B213AC94DF7C}"/>
+          </ac:spMkLst>
+        </pc:spChg>
+        <pc:cxnChg chg="mod">
+          <ac:chgData name="Zhao Jin" userId="cd05a825-544c-438a-9ba1-08e63db50b47" providerId="ADAL" clId="{F1F3A597-3417-40CE-AA4E-0F94F4AB282C}" dt="2024-02-19T04:15:28.555" v="477" actId="1076"/>
+          <ac:cxnSpMkLst>
+            <pc:docMk/>
+            <pc:sldMk cId="2676076421" sldId="607"/>
+            <ac:cxnSpMk id="18" creationId="{CB6FBA00-E0FA-5A41-5484-E4D7AB221DE7}"/>
+          </ac:cxnSpMkLst>
+        </pc:cxnChg>
+      </pc:sldChg>
+      <pc:sldChg chg="addSp delSp modSp add mod modAnim">
+        <pc:chgData name="Zhao Jin" userId="cd05a825-544c-438a-9ba1-08e63db50b47" providerId="ADAL" clId="{F1F3A597-3417-40CE-AA4E-0F94F4AB282C}" dt="2024-02-20T01:21:40.657" v="1222" actId="207"/>
+        <pc:sldMkLst>
+          <pc:docMk/>
+          <pc:sldMk cId="3642427802" sldId="607"/>
+        </pc:sldMkLst>
+        <pc:spChg chg="del">
+          <ac:chgData name="Zhao Jin" userId="cd05a825-544c-438a-9ba1-08e63db50b47" providerId="ADAL" clId="{F1F3A597-3417-40CE-AA4E-0F94F4AB282C}" dt="2024-02-20T01:17:06.086" v="969" actId="478"/>
+          <ac:spMkLst>
+            <pc:docMk/>
+            <pc:sldMk cId="3642427802" sldId="607"/>
+            <ac:spMk id="2" creationId="{797E2EA0-12F0-1E04-BB19-CAB6BC072A1A}"/>
+          </ac:spMkLst>
+        </pc:spChg>
+        <pc:spChg chg="add del mod">
+          <ac:chgData name="Zhao Jin" userId="cd05a825-544c-438a-9ba1-08e63db50b47" providerId="ADAL" clId="{F1F3A597-3417-40CE-AA4E-0F94F4AB282C}" dt="2024-02-20T01:20:29.037" v="1178" actId="478"/>
+          <ac:spMkLst>
+            <pc:docMk/>
+            <pc:sldMk cId="3642427802" sldId="607"/>
+            <ac:spMk id="4" creationId="{6AA62148-0EA1-B16B-9C48-6B0327A43A83}"/>
+          </ac:spMkLst>
+        </pc:spChg>
+        <pc:spChg chg="add mod">
+          <ac:chgData name="Zhao Jin" userId="cd05a825-544c-438a-9ba1-08e63db50b47" providerId="ADAL" clId="{F1F3A597-3417-40CE-AA4E-0F94F4AB282C}" dt="2024-02-20T01:21:40.657" v="1222" actId="207"/>
+          <ac:spMkLst>
+            <pc:docMk/>
+            <pc:sldMk cId="3642427802" sldId="607"/>
+            <ac:spMk id="6" creationId="{9342767D-0A7C-2482-EA26-050EED4B5DE4}"/>
+          </ac:spMkLst>
+        </pc:spChg>
+        <pc:spChg chg="mod">
+          <ac:chgData name="Zhao Jin" userId="cd05a825-544c-438a-9ba1-08e63db50b47" providerId="ADAL" clId="{F1F3A597-3417-40CE-AA4E-0F94F4AB282C}" dt="2024-02-20T01:17:02.707" v="968" actId="20577"/>
+          <ac:spMkLst>
+            <pc:docMk/>
+            <pc:sldMk cId="3642427802" sldId="607"/>
+            <ac:spMk id="8" creationId="{53DB4126-ECC8-1652-B1CE-482C4DA07F88}"/>
+          </ac:spMkLst>
+        </pc:spChg>
+        <pc:spChg chg="mod">
+          <ac:chgData name="Zhao Jin" userId="cd05a825-544c-438a-9ba1-08e63db50b47" providerId="ADAL" clId="{F1F3A597-3417-40CE-AA4E-0F94F4AB282C}" dt="2024-02-20T01:18:39.329" v="1009" actId="6549"/>
+          <ac:spMkLst>
+            <pc:docMk/>
+            <pc:sldMk cId="3642427802" sldId="607"/>
+            <ac:spMk id="11" creationId="{7694B077-577B-F8AB-A6AE-4B3CE0C0062E}"/>
+          </ac:spMkLst>
+        </pc:spChg>
+        <pc:spChg chg="del">
+          <ac:chgData name="Zhao Jin" userId="cd05a825-544c-438a-9ba1-08e63db50b47" providerId="ADAL" clId="{F1F3A597-3417-40CE-AA4E-0F94F4AB282C}" dt="2024-02-20T01:17:06.086" v="969" actId="478"/>
+          <ac:spMkLst>
+            <pc:docMk/>
+            <pc:sldMk cId="3642427802" sldId="607"/>
+            <ac:spMk id="15" creationId="{A07185AF-E23D-6EE3-F8B5-A6B3C179A5B2}"/>
+          </ac:spMkLst>
+        </pc:spChg>
+        <pc:spChg chg="mod">
+          <ac:chgData name="Zhao Jin" userId="cd05a825-544c-438a-9ba1-08e63db50b47" providerId="ADAL" clId="{F1F3A597-3417-40CE-AA4E-0F94F4AB282C}" dt="2024-02-20T01:19:40.894" v="1059" actId="20577"/>
+          <ac:spMkLst>
+            <pc:docMk/>
+            <pc:sldMk cId="3642427802" sldId="607"/>
+            <ac:spMk id="14338" creationId="{511BAED5-69AE-138E-C135-F64EBA71D566}"/>
           </ac:spMkLst>
         </pc:spChg>
         <pc:picChg chg="del">
-          <ac:chgData name="Zhao Jin" userId="cd05a825-544c-438a-9ba1-08e63db50b47" providerId="ADAL" clId="{CD38D953-E846-244A-835A-192CE52710D4}" dt="2021-01-25T03:15:27.398" v="115" actId="478"/>
+          <ac:chgData name="Zhao Jin" userId="cd05a825-544c-438a-9ba1-08e63db50b47" providerId="ADAL" clId="{F1F3A597-3417-40CE-AA4E-0F94F4AB282C}" dt="2024-02-20T01:17:06.086" v="969" actId="478"/>
           <ac:picMkLst>
             <pc:docMk/>
-            <pc:sldMk cId="3394924879" sldId="549"/>
-            <ac:picMk id="14" creationId="{9F0342D1-68B4-4418-BA3C-115BA014738F}"/>
+            <pc:sldMk cId="3642427802" sldId="607"/>
+            <ac:picMk id="5" creationId="{8CEBD904-6710-72B2-5205-B77E10D14EE1}"/>
           </ac:picMkLst>
         </pc:picChg>
-        <pc:picChg chg="add mod">
-          <ac:chgData name="Zhao Jin" userId="cd05a825-544c-438a-9ba1-08e63db50b47" providerId="ADAL" clId="{CD38D953-E846-244A-835A-192CE52710D4}" dt="2021-01-25T03:23:34.931" v="378" actId="1076"/>
+        <pc:picChg chg="del">
+          <ac:chgData name="Zhao Jin" userId="cd05a825-544c-438a-9ba1-08e63db50b47" providerId="ADAL" clId="{F1F3A597-3417-40CE-AA4E-0F94F4AB282C}" dt="2024-02-20T01:17:06.086" v="969" actId="478"/>
           <ac:picMkLst>
             <pc:docMk/>
-            <pc:sldMk cId="3394924879" sldId="549"/>
-            <ac:picMk id="16" creationId="{1AA83BD7-4016-DB49-B6DC-C69FB6894961}"/>
+            <pc:sldMk cId="3642427802" sldId="607"/>
+            <ac:picMk id="13" creationId="{086E4AA6-A031-BBBF-6293-0DAD158A0A4F}"/>
           </ac:picMkLst>
         </pc:picChg>
-      </pc:sldChg>
-      <pc:sldChg chg="addSp delSp modSp addAnim delAnim modAnim">
-        <pc:chgData name="Zhao Jin" userId="cd05a825-544c-438a-9ba1-08e63db50b47" providerId="ADAL" clId="{CD38D953-E846-244A-835A-192CE52710D4}" dt="2021-01-25T03:26:17.801" v="482" actId="20577"/>
-        <pc:sldMkLst>
-          <pc:docMk/>
-          <pc:sldMk cId="784668950" sldId="550"/>
-        </pc:sldMkLst>
-        <pc:spChg chg="add del">
-          <ac:chgData name="Zhao Jin" userId="cd05a825-544c-438a-9ba1-08e63db50b47" providerId="ADAL" clId="{CD38D953-E846-244A-835A-192CE52710D4}" dt="2021-01-25T03:03:03.116" v="66" actId="478"/>
-          <ac:spMkLst>
-            <pc:docMk/>
-            <pc:sldMk cId="784668950" sldId="550"/>
-            <ac:spMk id="8" creationId="{9BA3CD25-E0A6-43C6-ACBF-2582BD134206}"/>
-          </ac:spMkLst>
-        </pc:spChg>
-        <pc:spChg chg="add del">
-          <ac:chgData name="Zhao Jin" userId="cd05a825-544c-438a-9ba1-08e63db50b47" providerId="ADAL" clId="{CD38D953-E846-244A-835A-192CE52710D4}" dt="2021-01-25T03:03:02.420" v="65"/>
-          <ac:spMkLst>
-            <pc:docMk/>
-            <pc:sldMk cId="784668950" sldId="550"/>
-            <ac:spMk id="9" creationId="{512F67EF-C498-8D43-817A-42B6CE524F76}"/>
-          </ac:spMkLst>
-        </pc:spChg>
-        <pc:spChg chg="add del mod">
-          <ac:chgData name="Zhao Jin" userId="cd05a825-544c-438a-9ba1-08e63db50b47" providerId="ADAL" clId="{CD38D953-E846-244A-835A-192CE52710D4}" dt="2021-01-25T03:26:17.801" v="482" actId="20577"/>
-          <ac:spMkLst>
-            <pc:docMk/>
-            <pc:sldMk cId="784668950" sldId="550"/>
-            <ac:spMk id="10" creationId="{00000000-0000-0000-0000-000000000000}"/>
-          </ac:spMkLst>
-        </pc:spChg>
-      </pc:sldChg>
-      <pc:sldChg chg="addSp delSp modSp add del addAnim delAnim">
-        <pc:chgData name="Zhao Jin" userId="cd05a825-544c-438a-9ba1-08e63db50b47" providerId="ADAL" clId="{CD38D953-E846-244A-835A-192CE52710D4}" dt="2021-01-25T03:08:44.385" v="80" actId="2696"/>
-        <pc:sldMkLst>
-          <pc:docMk/>
-          <pc:sldMk cId="335305844" sldId="551"/>
-        </pc:sldMkLst>
-        <pc:spChg chg="add del">
-          <ac:chgData name="Zhao Jin" userId="cd05a825-544c-438a-9ba1-08e63db50b47" providerId="ADAL" clId="{CD38D953-E846-244A-835A-192CE52710D4}" dt="2021-01-25T03:08:18.867" v="70"/>
-          <ac:spMkLst>
-            <pc:docMk/>
-            <pc:sldMk cId="335305844" sldId="551"/>
-            <ac:spMk id="2" creationId="{DC3EBD9F-7043-2B4B-93E2-27FFDA9DBEA2}"/>
-          </ac:spMkLst>
-        </pc:spChg>
-        <pc:spChg chg="add del mod">
-          <ac:chgData name="Zhao Jin" userId="cd05a825-544c-438a-9ba1-08e63db50b47" providerId="ADAL" clId="{CD38D953-E846-244A-835A-192CE52710D4}" dt="2021-01-25T03:08:32.511" v="77" actId="14100"/>
-          <ac:spMkLst>
-            <pc:docMk/>
-            <pc:sldMk cId="335305844" sldId="551"/>
-            <ac:spMk id="9" creationId="{00000000-0000-0000-0000-000000000000}"/>
-          </ac:spMkLst>
-        </pc:spChg>
-        <pc:spChg chg="add del">
-          <ac:chgData name="Zhao Jin" userId="cd05a825-544c-438a-9ba1-08e63db50b47" providerId="ADAL" clId="{CD38D953-E846-244A-835A-192CE52710D4}" dt="2021-01-25T03:08:34.550" v="78" actId="478"/>
-          <ac:spMkLst>
-            <pc:docMk/>
-            <pc:sldMk cId="335305844" sldId="551"/>
-            <ac:spMk id="10" creationId="{00000000-0000-0000-0000-000000000000}"/>
-          </ac:spMkLst>
-        </pc:spChg>
-        <pc:spChg chg="add del">
-          <ac:chgData name="Zhao Jin" userId="cd05a825-544c-438a-9ba1-08e63db50b47" providerId="ADAL" clId="{CD38D953-E846-244A-835A-192CE52710D4}" dt="2021-01-25T03:08:34.550" v="78" actId="478"/>
-          <ac:spMkLst>
-            <pc:docMk/>
-            <pc:sldMk cId="335305844" sldId="551"/>
-            <ac:spMk id="11" creationId="{D0457CA0-460D-4546-82C4-4CDEB1E2F62C}"/>
-          </ac:spMkLst>
-        </pc:spChg>
-        <pc:spChg chg="add del">
-          <ac:chgData name="Zhao Jin" userId="cd05a825-544c-438a-9ba1-08e63db50b47" providerId="ADAL" clId="{CD38D953-E846-244A-835A-192CE52710D4}" dt="2021-01-25T03:08:34.550" v="78" actId="478"/>
-          <ac:spMkLst>
-            <pc:docMk/>
-            <pc:sldMk cId="335305844" sldId="551"/>
-            <ac:spMk id="14" creationId="{00000000-0000-0000-0000-000000000000}"/>
-          </ac:spMkLst>
-        </pc:spChg>
-        <pc:spChg chg="add del">
-          <ac:chgData name="Zhao Jin" userId="cd05a825-544c-438a-9ba1-08e63db50b47" providerId="ADAL" clId="{CD38D953-E846-244A-835A-192CE52710D4}" dt="2021-01-25T03:08:34.550" v="78" actId="478"/>
-          <ac:spMkLst>
-            <pc:docMk/>
-            <pc:sldMk cId="335305844" sldId="551"/>
-            <ac:spMk id="15" creationId="{7EB43FB0-D261-4751-8823-0A4CC64F83DB}"/>
-          </ac:spMkLst>
-        </pc:spChg>
-        <pc:spChg chg="add del mod">
-          <ac:chgData name="Zhao Jin" userId="cd05a825-544c-438a-9ba1-08e63db50b47" providerId="ADAL" clId="{CD38D953-E846-244A-835A-192CE52710D4}" dt="2021-01-25T03:08:37.712" v="79" actId="20577"/>
-          <ac:spMkLst>
-            <pc:docMk/>
-            <pc:sldMk cId="335305844" sldId="551"/>
-            <ac:spMk id="17" creationId="{196941FF-7411-441D-AE2E-5CF96E80B024}"/>
-          </ac:spMkLst>
-        </pc:spChg>
-        <pc:spChg chg="add del">
-          <ac:chgData name="Zhao Jin" userId="cd05a825-544c-438a-9ba1-08e63db50b47" providerId="ADAL" clId="{CD38D953-E846-244A-835A-192CE52710D4}" dt="2021-01-25T03:08:22.144" v="71" actId="478"/>
-          <ac:spMkLst>
-            <pc:docMk/>
-            <pc:sldMk cId="335305844" sldId="551"/>
-            <ac:spMk id="18" creationId="{FC6CF3F5-B435-44FE-A32E-F676476A0C6D}"/>
-          </ac:spMkLst>
-        </pc:spChg>
+        <pc:cxnChg chg="del">
+          <ac:chgData name="Zhao Jin" userId="cd05a825-544c-438a-9ba1-08e63db50b47" providerId="ADAL" clId="{F1F3A597-3417-40CE-AA4E-0F94F4AB282C}" dt="2024-02-20T01:17:39.157" v="971" actId="478"/>
+          <ac:cxnSpMkLst>
+            <pc:docMk/>
+            <pc:sldMk cId="3642427802" sldId="607"/>
+            <ac:cxnSpMk id="18" creationId="{BA8006C7-0195-9130-637E-08056D022A40}"/>
+          </ac:cxnSpMkLst>
+        </pc:cxnChg>
       </pc:sldChg>
     </pc:docChg>
   </pc:docChgLst>
@@ -6960,6 +7120,272 @@
           </pc:spChg>
         </pc:sldLayoutChg>
       </pc:sldMasterChg>
+    </pc:docChg>
+  </pc:docChgLst>
+  <pc:docChgLst>
+    <pc:chgData name="Zhao Jin" userId="S::dcszjin@nus.edu.sg::cd05a825-544c-438a-9ba1-08e63db50b47" providerId="AD" clId="Web-{66D5AB6E-AF24-491D-9529-2DDB49AD3149}"/>
+    <pc:docChg chg="modSld">
+      <pc:chgData name="Zhao Jin" userId="S::dcszjin@nus.edu.sg::cd05a825-544c-438a-9ba1-08e63db50b47" providerId="AD" clId="Web-{66D5AB6E-AF24-491D-9529-2DDB49AD3149}" dt="2021-01-20T08:43:03.224" v="8" actId="14100"/>
+      <pc:docMkLst>
+        <pc:docMk/>
+      </pc:docMkLst>
+      <pc:sldChg chg="modSp">
+        <pc:chgData name="Zhao Jin" userId="S::dcszjin@nus.edu.sg::cd05a825-544c-438a-9ba1-08e63db50b47" providerId="AD" clId="Web-{66D5AB6E-AF24-491D-9529-2DDB49AD3149}" dt="2021-01-20T08:43:03.224" v="8" actId="14100"/>
+        <pc:sldMkLst>
+          <pc:docMk/>
+          <pc:sldMk cId="901453530" sldId="546"/>
+        </pc:sldMkLst>
+        <pc:spChg chg="mod">
+          <ac:chgData name="Zhao Jin" userId="S::dcszjin@nus.edu.sg::cd05a825-544c-438a-9ba1-08e63db50b47" providerId="AD" clId="Web-{66D5AB6E-AF24-491D-9529-2DDB49AD3149}" dt="2021-01-20T08:43:03.224" v="8" actId="14100"/>
+          <ac:spMkLst>
+            <pc:docMk/>
+            <pc:sldMk cId="901453530" sldId="546"/>
+            <ac:spMk id="9" creationId="{00000000-0000-0000-0000-000000000000}"/>
+          </ac:spMkLst>
+        </pc:spChg>
+        <pc:spChg chg="mod">
+          <ac:chgData name="Zhao Jin" userId="S::dcszjin@nus.edu.sg::cd05a825-544c-438a-9ba1-08e63db50b47" providerId="AD" clId="Web-{66D5AB6E-AF24-491D-9529-2DDB49AD3149}" dt="2021-01-20T08:42:24.723" v="4" actId="1076"/>
+          <ac:spMkLst>
+            <pc:docMk/>
+            <pc:sldMk cId="901453530" sldId="546"/>
+            <ac:spMk id="14" creationId="{00000000-0000-0000-0000-000000000000}"/>
+          </ac:spMkLst>
+        </pc:spChg>
+      </pc:sldChg>
+    </pc:docChg>
+  </pc:docChgLst>
+  <pc:docChgLst>
+    <pc:chgData name="Zhao Jin" userId="cd05a825-544c-438a-9ba1-08e63db50b47" providerId="ADAL" clId="{CD38D953-E846-244A-835A-192CE52710D4}"/>
+    <pc:docChg chg="undo custSel addSld delSld modSld">
+      <pc:chgData name="Zhao Jin" userId="cd05a825-544c-438a-9ba1-08e63db50b47" providerId="ADAL" clId="{CD38D953-E846-244A-835A-192CE52710D4}" dt="2021-01-25T03:26:17.801" v="482" actId="20577"/>
+      <pc:docMkLst>
+        <pc:docMk/>
+      </pc:docMkLst>
+      <pc:sldChg chg="modSp addAnim delAnim modAnim">
+        <pc:chgData name="Zhao Jin" userId="cd05a825-544c-438a-9ba1-08e63db50b47" providerId="ADAL" clId="{CD38D953-E846-244A-835A-192CE52710D4}" dt="2021-01-25T03:18:14.928" v="172"/>
+        <pc:sldMkLst>
+          <pc:docMk/>
+          <pc:sldMk cId="1311126165" sldId="485"/>
+        </pc:sldMkLst>
+        <pc:spChg chg="mod">
+          <ac:chgData name="Zhao Jin" userId="cd05a825-544c-438a-9ba1-08e63db50b47" providerId="ADAL" clId="{CD38D953-E846-244A-835A-192CE52710D4}" dt="2021-01-25T03:16:30.240" v="159" actId="20577"/>
+          <ac:spMkLst>
+            <pc:docMk/>
+            <pc:sldMk cId="1311126165" sldId="485"/>
+            <ac:spMk id="11" creationId="{00000000-0000-0000-0000-000000000000}"/>
+          </ac:spMkLst>
+        </pc:spChg>
+        <pc:spChg chg="mod">
+          <ac:chgData name="Zhao Jin" userId="cd05a825-544c-438a-9ba1-08e63db50b47" providerId="ADAL" clId="{CD38D953-E846-244A-835A-192CE52710D4}" dt="2021-01-25T03:16:24.406" v="157" actId="1036"/>
+          <ac:spMkLst>
+            <pc:docMk/>
+            <pc:sldMk cId="1311126165" sldId="485"/>
+            <ac:spMk id="12" creationId="{149FB3A4-124F-4FB3-9CA1-6EA45A21DCBC}"/>
+          </ac:spMkLst>
+        </pc:spChg>
+        <pc:spChg chg="mod">
+          <ac:chgData name="Zhao Jin" userId="cd05a825-544c-438a-9ba1-08e63db50b47" providerId="ADAL" clId="{CD38D953-E846-244A-835A-192CE52710D4}" dt="2021-01-25T03:16:24.406" v="157" actId="1036"/>
+          <ac:spMkLst>
+            <pc:docMk/>
+            <pc:sldMk cId="1311126165" sldId="485"/>
+            <ac:spMk id="13" creationId="{24ED3F77-DB19-42FF-90A5-6260114FAC12}"/>
+          </ac:spMkLst>
+        </pc:spChg>
+      </pc:sldChg>
+      <pc:sldChg chg="modSp">
+        <pc:chgData name="Zhao Jin" userId="cd05a825-544c-438a-9ba1-08e63db50b47" providerId="ADAL" clId="{CD38D953-E846-244A-835A-192CE52710D4}" dt="2021-01-25T03:08:51.440" v="84" actId="20577"/>
+        <pc:sldMkLst>
+          <pc:docMk/>
+          <pc:sldMk cId="901453530" sldId="546"/>
+        </pc:sldMkLst>
+        <pc:spChg chg="mod">
+          <ac:chgData name="Zhao Jin" userId="cd05a825-544c-438a-9ba1-08e63db50b47" providerId="ADAL" clId="{CD38D953-E846-244A-835A-192CE52710D4}" dt="2021-01-25T03:08:51.440" v="84" actId="20577"/>
+          <ac:spMkLst>
+            <pc:docMk/>
+            <pc:sldMk cId="901453530" sldId="546"/>
+            <ac:spMk id="8" creationId="{00000000-0000-0000-0000-000000000000}"/>
+          </ac:spMkLst>
+        </pc:spChg>
+      </pc:sldChg>
+      <pc:sldChg chg="modSp">
+        <pc:chgData name="Zhao Jin" userId="cd05a825-544c-438a-9ba1-08e63db50b47" providerId="ADAL" clId="{CD38D953-E846-244A-835A-192CE52710D4}" dt="2021-01-25T03:11:48.514" v="112" actId="207"/>
+        <pc:sldMkLst>
+          <pc:docMk/>
+          <pc:sldMk cId="884841463" sldId="547"/>
+        </pc:sldMkLst>
+        <pc:spChg chg="mod">
+          <ac:chgData name="Zhao Jin" userId="cd05a825-544c-438a-9ba1-08e63db50b47" providerId="ADAL" clId="{CD38D953-E846-244A-835A-192CE52710D4}" dt="2021-01-25T03:11:48.514" v="112" actId="207"/>
+          <ac:spMkLst>
+            <pc:docMk/>
+            <pc:sldMk cId="884841463" sldId="547"/>
+            <ac:spMk id="8" creationId="{00000000-0000-0000-0000-000000000000}"/>
+          </ac:spMkLst>
+        </pc:spChg>
+      </pc:sldChg>
+      <pc:sldChg chg="modSp">
+        <pc:chgData name="Zhao Jin" userId="cd05a825-544c-438a-9ba1-08e63db50b47" providerId="ADAL" clId="{CD38D953-E846-244A-835A-192CE52710D4}" dt="2021-01-25T03:10:55.270" v="107" actId="20577"/>
+        <pc:sldMkLst>
+          <pc:docMk/>
+          <pc:sldMk cId="1617257579" sldId="548"/>
+        </pc:sldMkLst>
+        <pc:spChg chg="mod">
+          <ac:chgData name="Zhao Jin" userId="cd05a825-544c-438a-9ba1-08e63db50b47" providerId="ADAL" clId="{CD38D953-E846-244A-835A-192CE52710D4}" dt="2021-01-25T03:10:55.270" v="107" actId="20577"/>
+          <ac:spMkLst>
+            <pc:docMk/>
+            <pc:sldMk cId="1617257579" sldId="548"/>
+            <ac:spMk id="8" creationId="{00000000-0000-0000-0000-000000000000}"/>
+          </ac:spMkLst>
+        </pc:spChg>
+        <pc:spChg chg="mod">
+          <ac:chgData name="Zhao Jin" userId="cd05a825-544c-438a-9ba1-08e63db50b47" providerId="ADAL" clId="{CD38D953-E846-244A-835A-192CE52710D4}" dt="2021-01-25T03:09:46.206" v="102" actId="1035"/>
+          <ac:spMkLst>
+            <pc:docMk/>
+            <pc:sldMk cId="1617257579" sldId="548"/>
+            <ac:spMk id="9" creationId="{00000000-0000-0000-0000-000000000000}"/>
+          </ac:spMkLst>
+        </pc:spChg>
+      </pc:sldChg>
+      <pc:sldChg chg="addSp delSp modSp delAnim modAnim">
+        <pc:chgData name="Zhao Jin" userId="cd05a825-544c-438a-9ba1-08e63db50b47" providerId="ADAL" clId="{CD38D953-E846-244A-835A-192CE52710D4}" dt="2021-01-25T03:24:05.008" v="382"/>
+        <pc:sldMkLst>
+          <pc:docMk/>
+          <pc:sldMk cId="3394924879" sldId="549"/>
+        </pc:sldMkLst>
+        <pc:spChg chg="mod">
+          <ac:chgData name="Zhao Jin" userId="cd05a825-544c-438a-9ba1-08e63db50b47" providerId="ADAL" clId="{CD38D953-E846-244A-835A-192CE52710D4}" dt="2021-01-25T02:21:10.043" v="62" actId="20577"/>
+          <ac:spMkLst>
+            <pc:docMk/>
+            <pc:sldMk cId="3394924879" sldId="549"/>
+            <ac:spMk id="10" creationId="{00000000-0000-0000-0000-000000000000}"/>
+          </ac:spMkLst>
+        </pc:spChg>
+        <pc:spChg chg="add mod">
+          <ac:chgData name="Zhao Jin" userId="cd05a825-544c-438a-9ba1-08e63db50b47" providerId="ADAL" clId="{CD38D953-E846-244A-835A-192CE52710D4}" dt="2021-01-25T03:23:28.207" v="376" actId="1076"/>
+          <ac:spMkLst>
+            <pc:docMk/>
+            <pc:sldMk cId="3394924879" sldId="549"/>
+            <ac:spMk id="11" creationId="{CF30CDDD-4206-994C-A14B-ADCEC7C6B094}"/>
+          </ac:spMkLst>
+        </pc:spChg>
+        <pc:picChg chg="del">
+          <ac:chgData name="Zhao Jin" userId="cd05a825-544c-438a-9ba1-08e63db50b47" providerId="ADAL" clId="{CD38D953-E846-244A-835A-192CE52710D4}" dt="2021-01-25T03:15:27.398" v="115" actId="478"/>
+          <ac:picMkLst>
+            <pc:docMk/>
+            <pc:sldMk cId="3394924879" sldId="549"/>
+            <ac:picMk id="14" creationId="{9F0342D1-68B4-4418-BA3C-115BA014738F}"/>
+          </ac:picMkLst>
+        </pc:picChg>
+        <pc:picChg chg="add mod">
+          <ac:chgData name="Zhao Jin" userId="cd05a825-544c-438a-9ba1-08e63db50b47" providerId="ADAL" clId="{CD38D953-E846-244A-835A-192CE52710D4}" dt="2021-01-25T03:23:34.931" v="378" actId="1076"/>
+          <ac:picMkLst>
+            <pc:docMk/>
+            <pc:sldMk cId="3394924879" sldId="549"/>
+            <ac:picMk id="16" creationId="{1AA83BD7-4016-DB49-B6DC-C69FB6894961}"/>
+          </ac:picMkLst>
+        </pc:picChg>
+      </pc:sldChg>
+      <pc:sldChg chg="addSp delSp modSp addAnim delAnim modAnim">
+        <pc:chgData name="Zhao Jin" userId="cd05a825-544c-438a-9ba1-08e63db50b47" providerId="ADAL" clId="{CD38D953-E846-244A-835A-192CE52710D4}" dt="2021-01-25T03:26:17.801" v="482" actId="20577"/>
+        <pc:sldMkLst>
+          <pc:docMk/>
+          <pc:sldMk cId="784668950" sldId="550"/>
+        </pc:sldMkLst>
+        <pc:spChg chg="add del">
+          <ac:chgData name="Zhao Jin" userId="cd05a825-544c-438a-9ba1-08e63db50b47" providerId="ADAL" clId="{CD38D953-E846-244A-835A-192CE52710D4}" dt="2021-01-25T03:03:03.116" v="66" actId="478"/>
+          <ac:spMkLst>
+            <pc:docMk/>
+            <pc:sldMk cId="784668950" sldId="550"/>
+            <ac:spMk id="8" creationId="{9BA3CD25-E0A6-43C6-ACBF-2582BD134206}"/>
+          </ac:spMkLst>
+        </pc:spChg>
+        <pc:spChg chg="add del">
+          <ac:chgData name="Zhao Jin" userId="cd05a825-544c-438a-9ba1-08e63db50b47" providerId="ADAL" clId="{CD38D953-E846-244A-835A-192CE52710D4}" dt="2021-01-25T03:03:02.420" v="65"/>
+          <ac:spMkLst>
+            <pc:docMk/>
+            <pc:sldMk cId="784668950" sldId="550"/>
+            <ac:spMk id="9" creationId="{512F67EF-C498-8D43-817A-42B6CE524F76}"/>
+          </ac:spMkLst>
+        </pc:spChg>
+        <pc:spChg chg="add del mod">
+          <ac:chgData name="Zhao Jin" userId="cd05a825-544c-438a-9ba1-08e63db50b47" providerId="ADAL" clId="{CD38D953-E846-244A-835A-192CE52710D4}" dt="2021-01-25T03:26:17.801" v="482" actId="20577"/>
+          <ac:spMkLst>
+            <pc:docMk/>
+            <pc:sldMk cId="784668950" sldId="550"/>
+            <ac:spMk id="10" creationId="{00000000-0000-0000-0000-000000000000}"/>
+          </ac:spMkLst>
+        </pc:spChg>
+      </pc:sldChg>
+      <pc:sldChg chg="addSp delSp modSp add del addAnim delAnim">
+        <pc:chgData name="Zhao Jin" userId="cd05a825-544c-438a-9ba1-08e63db50b47" providerId="ADAL" clId="{CD38D953-E846-244A-835A-192CE52710D4}" dt="2021-01-25T03:08:44.385" v="80" actId="2696"/>
+        <pc:sldMkLst>
+          <pc:docMk/>
+          <pc:sldMk cId="335305844" sldId="551"/>
+        </pc:sldMkLst>
+        <pc:spChg chg="add del">
+          <ac:chgData name="Zhao Jin" userId="cd05a825-544c-438a-9ba1-08e63db50b47" providerId="ADAL" clId="{CD38D953-E846-244A-835A-192CE52710D4}" dt="2021-01-25T03:08:18.867" v="70"/>
+          <ac:spMkLst>
+            <pc:docMk/>
+            <pc:sldMk cId="335305844" sldId="551"/>
+            <ac:spMk id="2" creationId="{DC3EBD9F-7043-2B4B-93E2-27FFDA9DBEA2}"/>
+          </ac:spMkLst>
+        </pc:spChg>
+        <pc:spChg chg="add del mod">
+          <ac:chgData name="Zhao Jin" userId="cd05a825-544c-438a-9ba1-08e63db50b47" providerId="ADAL" clId="{CD38D953-E846-244A-835A-192CE52710D4}" dt="2021-01-25T03:08:32.511" v="77" actId="14100"/>
+          <ac:spMkLst>
+            <pc:docMk/>
+            <pc:sldMk cId="335305844" sldId="551"/>
+            <ac:spMk id="9" creationId="{00000000-0000-0000-0000-000000000000}"/>
+          </ac:spMkLst>
+        </pc:spChg>
+        <pc:spChg chg="add del">
+          <ac:chgData name="Zhao Jin" userId="cd05a825-544c-438a-9ba1-08e63db50b47" providerId="ADAL" clId="{CD38D953-E846-244A-835A-192CE52710D4}" dt="2021-01-25T03:08:34.550" v="78" actId="478"/>
+          <ac:spMkLst>
+            <pc:docMk/>
+            <pc:sldMk cId="335305844" sldId="551"/>
+            <ac:spMk id="10" creationId="{00000000-0000-0000-0000-000000000000}"/>
+          </ac:spMkLst>
+        </pc:spChg>
+        <pc:spChg chg="add del">
+          <ac:chgData name="Zhao Jin" userId="cd05a825-544c-438a-9ba1-08e63db50b47" providerId="ADAL" clId="{CD38D953-E846-244A-835A-192CE52710D4}" dt="2021-01-25T03:08:34.550" v="78" actId="478"/>
+          <ac:spMkLst>
+            <pc:docMk/>
+            <pc:sldMk cId="335305844" sldId="551"/>
+            <ac:spMk id="11" creationId="{D0457CA0-460D-4546-82C4-4CDEB1E2F62C}"/>
+          </ac:spMkLst>
+        </pc:spChg>
+        <pc:spChg chg="add del">
+          <ac:chgData name="Zhao Jin" userId="cd05a825-544c-438a-9ba1-08e63db50b47" providerId="ADAL" clId="{CD38D953-E846-244A-835A-192CE52710D4}" dt="2021-01-25T03:08:34.550" v="78" actId="478"/>
+          <ac:spMkLst>
+            <pc:docMk/>
+            <pc:sldMk cId="335305844" sldId="551"/>
+            <ac:spMk id="14" creationId="{00000000-0000-0000-0000-000000000000}"/>
+          </ac:spMkLst>
+        </pc:spChg>
+        <pc:spChg chg="add del">
+          <ac:chgData name="Zhao Jin" userId="cd05a825-544c-438a-9ba1-08e63db50b47" providerId="ADAL" clId="{CD38D953-E846-244A-835A-192CE52710D4}" dt="2021-01-25T03:08:34.550" v="78" actId="478"/>
+          <ac:spMkLst>
+            <pc:docMk/>
+            <pc:sldMk cId="335305844" sldId="551"/>
+            <ac:spMk id="15" creationId="{7EB43FB0-D261-4751-8823-0A4CC64F83DB}"/>
+          </ac:spMkLst>
+        </pc:spChg>
+        <pc:spChg chg="add del mod">
+          <ac:chgData name="Zhao Jin" userId="cd05a825-544c-438a-9ba1-08e63db50b47" providerId="ADAL" clId="{CD38D953-E846-244A-835A-192CE52710D4}" dt="2021-01-25T03:08:37.712" v="79" actId="20577"/>
+          <ac:spMkLst>
+            <pc:docMk/>
+            <pc:sldMk cId="335305844" sldId="551"/>
+            <ac:spMk id="17" creationId="{196941FF-7411-441D-AE2E-5CF96E80B024}"/>
+          </ac:spMkLst>
+        </pc:spChg>
+        <pc:spChg chg="add del">
+          <ac:chgData name="Zhao Jin" userId="cd05a825-544c-438a-9ba1-08e63db50b47" providerId="ADAL" clId="{CD38D953-E846-244A-835A-192CE52710D4}" dt="2021-01-25T03:08:22.144" v="71" actId="478"/>
+          <ac:spMkLst>
+            <pc:docMk/>
+            <pc:sldMk cId="335305844" sldId="551"/>
+            <ac:spMk id="18" creationId="{FC6CF3F5-B435-44FE-A32E-F676476A0C6D}"/>
+          </ac:spMkLst>
+        </pc:spChg>
+      </pc:sldChg>
     </pc:docChg>
   </pc:docChgLst>
 </pc:chgInfo>
@@ -7439,7 +7865,7 @@
               <a:pPr>
                 <a:defRPr/>
               </a:pPr>
-              <a:t>1/31/2024</a:t>
+              <a:t>2/20/2024</a:t>
             </a:fld>
             <a:endParaRPr lang="en-US" dirty="0"/>
           </a:p>
@@ -7757,6 +8183,147 @@
     <p:extLst>
       <p:ext uri="{BB962C8B-B14F-4D97-AF65-F5344CB8AC3E}">
         <p14:creationId xmlns:p14="http://schemas.microsoft.com/office/powerpoint/2010/main" val="720744827"/>
+      </p:ext>
+    </p:extLst>
+  </p:cSld>
+  <p:clrMapOvr>
+    <a:masterClrMapping/>
+  </p:clrMapOvr>
+</p:notes>
+</file>
+
+<file path=ppt/notesSlides/notesSlide10.xml><?xml version="1.0" encoding="utf-8"?>
+<p:notes xmlns:a="http://schemas.openxmlformats.org/drawingml/2006/main" xmlns:r="http://schemas.openxmlformats.org/officeDocument/2006/relationships" xmlns:p="http://schemas.openxmlformats.org/presentationml/2006/main">
+  <p:cSld>
+    <p:spTree>
+      <p:nvGrpSpPr>
+        <p:cNvPr id="1" name="">
+          <a:extLst>
+            <a:ext uri="{FF2B5EF4-FFF2-40B4-BE49-F238E27FC236}">
+              <a16:creationId xmlns:a16="http://schemas.microsoft.com/office/drawing/2014/main" id="{FAC6B4A2-B6D2-ACE1-DD4B-31BE5DE90D57}"/>
+            </a:ext>
+          </a:extLst>
+        </p:cNvPr>
+        <p:cNvGrpSpPr/>
+        <p:nvPr/>
+      </p:nvGrpSpPr>
+      <p:grpSpPr>
+        <a:xfrm>
+          <a:off x="0" y="0"/>
+          <a:ext cx="0" cy="0"/>
+          <a:chOff x="0" y="0"/>
+          <a:chExt cx="0" cy="0"/>
+        </a:xfrm>
+      </p:grpSpPr>
+      <p:sp>
+        <p:nvSpPr>
+          <p:cNvPr id="64514" name="Rectangle 2">
+            <a:extLst>
+              <a:ext uri="{FF2B5EF4-FFF2-40B4-BE49-F238E27FC236}">
+                <a16:creationId xmlns:a16="http://schemas.microsoft.com/office/drawing/2014/main" id="{66FF1ACC-74A5-184F-21F0-1600841BDD7C}"/>
+              </a:ext>
+            </a:extLst>
+          </p:cNvPr>
+          <p:cNvSpPr>
+            <a:spLocks noGrp="1" noChangeArrowheads="1"/>
+          </p:cNvSpPr>
+          <p:nvPr>
+            <p:ph type="hdr" sz="quarter"/>
+          </p:nvPr>
+        </p:nvSpPr>
+        <p:spPr bwMode="auto">
+          <a:xfrm>
+            <a:off x="0" y="0"/>
+            <a:ext cx="3038786" cy="465341"/>
+          </a:xfrm>
+          <a:noFill/>
+          <a:ln>
+            <a:miter lim="800000"/>
+            <a:headEnd/>
+            <a:tailEnd/>
+          </a:ln>
+        </p:spPr>
+        <p:txBody>
+          <a:bodyPr wrap="square" numCol="1" anchor="t" anchorCtr="0" compatLnSpc="1">
+            <a:prstTxWarp prst="textNoShape">
+              <a:avLst/>
+            </a:prstTxWarp>
+          </a:bodyPr>
+          <a:lstStyle/>
+          <a:p>
+            <a:r>
+              <a:rPr lang="en-US"/>
+              <a:t>CS1010 Programming Methodology</a:t>
+            </a:r>
+          </a:p>
+        </p:txBody>
+      </p:sp>
+      <p:sp>
+        <p:nvSpPr>
+          <p:cNvPr id="64515" name="Rectangle 2">
+            <a:extLst>
+              <a:ext uri="{FF2B5EF4-FFF2-40B4-BE49-F238E27FC236}">
+                <a16:creationId xmlns:a16="http://schemas.microsoft.com/office/drawing/2014/main" id="{A223F143-7288-1654-4702-14FB6A998140}"/>
+              </a:ext>
+            </a:extLst>
+          </p:cNvPr>
+          <p:cNvSpPr>
+            <a:spLocks noGrp="1" noRot="1" noChangeAspect="1" noChangeArrowheads="1" noTextEdit="1"/>
+          </p:cNvSpPr>
+          <p:nvPr>
+            <p:ph type="sldImg"/>
+          </p:nvPr>
+        </p:nvSpPr>
+        <p:spPr bwMode="auto">
+          <a:xfrm>
+            <a:off x="1182688" y="696913"/>
+            <a:ext cx="4648200" cy="3486150"/>
+          </a:xfrm>
+          <a:noFill/>
+          <a:ln>
+            <a:solidFill>
+              <a:srgbClr val="000000"/>
+            </a:solidFill>
+            <a:miter lim="800000"/>
+            <a:headEnd/>
+            <a:tailEnd/>
+          </a:ln>
+        </p:spPr>
+      </p:sp>
+      <p:sp>
+        <p:nvSpPr>
+          <p:cNvPr id="64516" name="Rectangle 3">
+            <a:extLst>
+              <a:ext uri="{FF2B5EF4-FFF2-40B4-BE49-F238E27FC236}">
+                <a16:creationId xmlns:a16="http://schemas.microsoft.com/office/drawing/2014/main" id="{10863C80-2C56-BD60-B61C-56F74991723F}"/>
+              </a:ext>
+            </a:extLst>
+          </p:cNvPr>
+          <p:cNvSpPr>
+            <a:spLocks noGrp="1" noChangeArrowheads="1"/>
+          </p:cNvSpPr>
+          <p:nvPr>
+            <p:ph type="body" idx="1"/>
+          </p:nvPr>
+        </p:nvSpPr>
+        <p:spPr>
+          <a:ln w="9525"/>
+        </p:spPr>
+        <p:txBody>
+          <a:bodyPr/>
+          <a:lstStyle/>
+          <a:p>
+            <a:pPr eaLnBrk="1" hangingPunct="1">
+              <a:defRPr/>
+            </a:pPr>
+            <a:endParaRPr lang="en-US" dirty="0"/>
+          </a:p>
+        </p:txBody>
+      </p:sp>
+    </p:spTree>
+    <p:extLst>
+      <p:ext uri="{BB962C8B-B14F-4D97-AF65-F5344CB8AC3E}">
+        <p14:creationId xmlns:p14="http://schemas.microsoft.com/office/powerpoint/2010/main" val="1003005595"/>
       </p:ext>
     </p:extLst>
   </p:cSld>
@@ -12539,6 +13106,758 @@
 </p:sld>
 </file>
 
+<file path=ppt/slides/slide10.xml><?xml version="1.0" encoding="utf-8"?>
+<p:sld xmlns:a="http://schemas.openxmlformats.org/drawingml/2006/main" xmlns:r="http://schemas.openxmlformats.org/officeDocument/2006/relationships" xmlns:p="http://schemas.openxmlformats.org/presentationml/2006/main">
+  <p:cSld>
+    <p:spTree>
+      <p:nvGrpSpPr>
+        <p:cNvPr id="1" name="">
+          <a:extLst>
+            <a:ext uri="{FF2B5EF4-FFF2-40B4-BE49-F238E27FC236}">
+              <a16:creationId xmlns:a16="http://schemas.microsoft.com/office/drawing/2014/main" id="{B47398A8-DD65-7367-147F-9F8EC0A9F1CE}"/>
+            </a:ext>
+          </a:extLst>
+        </p:cNvPr>
+        <p:cNvGrpSpPr/>
+        <p:nvPr/>
+      </p:nvGrpSpPr>
+      <p:grpSpPr>
+        <a:xfrm>
+          <a:off x="0" y="0"/>
+          <a:ext cx="0" cy="0"/>
+          <a:chOff x="0" y="0"/>
+          <a:chExt cx="0" cy="0"/>
+        </a:xfrm>
+      </p:grpSpPr>
+      <p:sp>
+        <p:nvSpPr>
+          <p:cNvPr id="14338" name="Rectangle 2">
+            <a:extLst>
+              <a:ext uri="{FF2B5EF4-FFF2-40B4-BE49-F238E27FC236}">
+                <a16:creationId xmlns:a16="http://schemas.microsoft.com/office/drawing/2014/main" id="{511BAED5-69AE-138E-C135-F64EBA71D566}"/>
+              </a:ext>
+            </a:extLst>
+          </p:cNvPr>
+          <p:cNvSpPr>
+            <a:spLocks noGrp="1" noChangeArrowheads="1"/>
+          </p:cNvSpPr>
+          <p:nvPr>
+            <p:ph type="title"/>
+          </p:nvPr>
+        </p:nvSpPr>
+        <p:spPr>
+          <a:xfrm>
+            <a:off x="533400" y="381000"/>
+            <a:ext cx="8382000" cy="838200"/>
+          </a:xfrm>
+        </p:spPr>
+        <p:txBody>
+          <a:bodyPr>
+            <a:normAutofit/>
+          </a:bodyPr>
+          <a:lstStyle/>
+          <a:p>
+            <a:pPr eaLnBrk="1" hangingPunct="1"/>
+            <a:r>
+              <a:rPr lang="en-GB" sz="3600" dirty="0">
+                <a:solidFill>
+                  <a:srgbClr val="0000FF"/>
+                </a:solidFill>
+              </a:rPr>
+              <a:t>Common Mistake</a:t>
+            </a:r>
+          </a:p>
+        </p:txBody>
+      </p:sp>
+      <p:sp>
+        <p:nvSpPr>
+          <p:cNvPr id="7" name="Slide Number Placeholder 6">
+            <a:extLst>
+              <a:ext uri="{FF2B5EF4-FFF2-40B4-BE49-F238E27FC236}">
+                <a16:creationId xmlns:a16="http://schemas.microsoft.com/office/drawing/2014/main" id="{AA3C8CD3-15D3-AB0A-CC6D-BE87B446E9E4}"/>
+              </a:ext>
+            </a:extLst>
+          </p:cNvPr>
+          <p:cNvSpPr>
+            <a:spLocks noGrp="1"/>
+          </p:cNvSpPr>
+          <p:nvPr>
+            <p:ph type="sldNum" sz="quarter" idx="12"/>
+          </p:nvPr>
+        </p:nvSpPr>
+        <p:spPr/>
+        <p:txBody>
+          <a:bodyPr>
+            <a:normAutofit/>
+          </a:bodyPr>
+          <a:lstStyle/>
+          <a:p>
+            <a:pPr>
+              <a:defRPr/>
+            </a:pPr>
+            <a:r>
+              <a:rPr lang="en-US" sz="1200" dirty="0"/>
+              <a:t>Unit13</a:t>
+            </a:r>
+            <a:r>
+              <a:rPr sz="1200" dirty="0"/>
+              <a:t> - </a:t>
+            </a:r>
+            <a:fld id="{F7EC234A-9094-4BB8-9EA4-75ECDA8A365B}" type="slidenum">
+              <a:rPr sz="1200" smtClean="0"/>
+              <a:pPr>
+                <a:defRPr/>
+              </a:pPr>
+              <a:t>10</a:t>
+            </a:fld>
+            <a:endParaRPr sz="1200" dirty="0"/>
+          </a:p>
+        </p:txBody>
+      </p:sp>
+      <p:sp>
+        <p:nvSpPr>
+          <p:cNvPr id="12" name="[Date Placeholder 3]">
+            <a:extLst>
+              <a:ext uri="{FF2B5EF4-FFF2-40B4-BE49-F238E27FC236}">
+                <a16:creationId xmlns:a16="http://schemas.microsoft.com/office/drawing/2014/main" id="{A9FD7083-C28D-DA5E-D8E7-0CFBD41B4C82}"/>
+              </a:ext>
+            </a:extLst>
+          </p:cNvPr>
+          <p:cNvSpPr>
+            <a:spLocks noGrp="1"/>
+          </p:cNvSpPr>
+          <p:nvPr>
+            <p:ph type="dt" sz="half" idx="10"/>
+          </p:nvPr>
+        </p:nvSpPr>
+        <p:spPr>
+          <a:xfrm>
+            <a:off x="457200" y="18288"/>
+            <a:ext cx="2895600" cy="329184"/>
+          </a:xfrm>
+        </p:spPr>
+        <p:txBody>
+          <a:bodyPr/>
+          <a:lstStyle/>
+          <a:p>
+            <a:pPr>
+              <a:defRPr/>
+            </a:pPr>
+            <a:r>
+              <a:rPr lang="en-US"/>
+              <a:t>© NUS</a:t>
+            </a:r>
+            <a:endParaRPr lang="en-US" dirty="0"/>
+          </a:p>
+        </p:txBody>
+      </p:sp>
+      <p:sp>
+        <p:nvSpPr>
+          <p:cNvPr id="8" name="Content Placeholder 5">
+            <a:extLst>
+              <a:ext uri="{FF2B5EF4-FFF2-40B4-BE49-F238E27FC236}">
+                <a16:creationId xmlns:a16="http://schemas.microsoft.com/office/drawing/2014/main" id="{53DB4126-ECC8-1652-B1CE-482C4DA07F88}"/>
+              </a:ext>
+            </a:extLst>
+          </p:cNvPr>
+          <p:cNvSpPr>
+            <a:spLocks noGrp="1"/>
+          </p:cNvSpPr>
+          <p:nvPr>
+            <p:ph idx="1"/>
+          </p:nvPr>
+        </p:nvSpPr>
+        <p:spPr>
+          <a:xfrm>
+            <a:off x="587375" y="1187450"/>
+            <a:ext cx="8292856" cy="5450114"/>
+          </a:xfrm>
+        </p:spPr>
+        <p:txBody>
+          <a:bodyPr>
+            <a:noAutofit/>
+          </a:bodyPr>
+          <a:lstStyle/>
+          <a:p>
+            <a:pPr marL="347663" indent="-347663">
+              <a:spcBef>
+                <a:spcPts val="600"/>
+              </a:spcBef>
+              <a:buClr>
+                <a:schemeClr val="tx1">
+                  <a:lumMod val="90000"/>
+                  <a:lumOff val="10000"/>
+                </a:schemeClr>
+              </a:buClr>
+              <a:buSzPct val="100000"/>
+              <a:buFont typeface="Wingdings" panose="05000000000000000000" pitchFamily="2" charset="2"/>
+              <a:buChar char="§"/>
+              <a:defRPr/>
+            </a:pPr>
+            <a:r>
+              <a:rPr lang="en-US" dirty="0"/>
+              <a:t>What happens when you call factorial(5) with the following function?</a:t>
+            </a:r>
+          </a:p>
+          <a:p>
+            <a:pPr marL="347663" indent="-347663">
+              <a:spcBef>
+                <a:spcPts val="600"/>
+              </a:spcBef>
+              <a:buClr>
+                <a:schemeClr val="tx1">
+                  <a:lumMod val="90000"/>
+                  <a:lumOff val="10000"/>
+                </a:schemeClr>
+              </a:buClr>
+              <a:buSzPct val="100000"/>
+              <a:buFont typeface="Wingdings" panose="05000000000000000000" pitchFamily="2" charset="2"/>
+              <a:buChar char="§"/>
+              <a:defRPr/>
+            </a:pPr>
+            <a:endParaRPr lang="en-US" dirty="0"/>
+          </a:p>
+          <a:p>
+            <a:pPr marL="347663" indent="-347663">
+              <a:spcBef>
+                <a:spcPts val="600"/>
+              </a:spcBef>
+              <a:buClr>
+                <a:schemeClr val="tx1">
+                  <a:lumMod val="90000"/>
+                  <a:lumOff val="10000"/>
+                </a:schemeClr>
+              </a:buClr>
+              <a:buSzPct val="100000"/>
+              <a:buFont typeface="Wingdings" panose="05000000000000000000" pitchFamily="2" charset="2"/>
+              <a:buChar char="§"/>
+              <a:defRPr/>
+            </a:pPr>
+            <a:endParaRPr lang="en-US" dirty="0"/>
+          </a:p>
+          <a:p>
+            <a:pPr marL="0" indent="0">
+              <a:spcBef>
+                <a:spcPts val="600"/>
+              </a:spcBef>
+              <a:buClr>
+                <a:schemeClr val="tx1">
+                  <a:lumMod val="90000"/>
+                  <a:lumOff val="10000"/>
+                </a:schemeClr>
+              </a:buClr>
+              <a:buSzPct val="100000"/>
+              <a:buNone/>
+              <a:defRPr/>
+            </a:pPr>
+            <a:endParaRPr lang="en-US" dirty="0"/>
+          </a:p>
+        </p:txBody>
+      </p:sp>
+      <p:sp>
+        <p:nvSpPr>
+          <p:cNvPr id="11" name="TextBox 10">
+            <a:extLst>
+              <a:ext uri="{FF2B5EF4-FFF2-40B4-BE49-F238E27FC236}">
+                <a16:creationId xmlns:a16="http://schemas.microsoft.com/office/drawing/2014/main" id="{7694B077-577B-F8AB-A6AE-4B3CE0C0062E}"/>
+              </a:ext>
+            </a:extLst>
+          </p:cNvPr>
+          <p:cNvSpPr txBox="1"/>
+          <p:nvPr/>
+        </p:nvSpPr>
+        <p:spPr>
+          <a:xfrm>
+            <a:off x="1004076" y="2168972"/>
+            <a:ext cx="5614008" cy="2308324"/>
+          </a:xfrm>
+          <a:prstGeom prst="rect">
+            <a:avLst/>
+          </a:prstGeom>
+          <a:solidFill>
+            <a:schemeClr val="bg1"/>
+          </a:solidFill>
+          <a:ln w="19050">
+            <a:solidFill>
+              <a:schemeClr val="tx1"/>
+            </a:solidFill>
+          </a:ln>
+        </p:spPr>
+        <p:style>
+          <a:lnRef idx="2">
+            <a:schemeClr val="accent6"/>
+          </a:lnRef>
+          <a:fillRef idx="1">
+            <a:schemeClr val="lt1"/>
+          </a:fillRef>
+          <a:effectRef idx="0">
+            <a:schemeClr val="accent6"/>
+          </a:effectRef>
+          <a:fontRef idx="minor">
+            <a:schemeClr val="dk1"/>
+          </a:fontRef>
+        </p:style>
+        <p:txBody>
+          <a:bodyPr wrap="square" lIns="91440" tIns="45720" rIns="91440" bIns="45720" rtlCol="0" anchor="t">
+            <a:spAutoFit/>
+          </a:bodyPr>
+          <a:lstStyle/>
+          <a:p>
+            <a:pPr>
+              <a:tabLst>
+                <a:tab pos="347663" algn="l"/>
+                <a:tab pos="682625" algn="l"/>
+                <a:tab pos="1087438" algn="l"/>
+                <a:tab pos="1377950" algn="l"/>
+                <a:tab pos="1712913" algn="l"/>
+              </a:tabLst>
+            </a:pPr>
+            <a:r>
+              <a:rPr lang="en-US" b="1" dirty="0">
+                <a:solidFill>
+                  <a:srgbClr val="0000FF"/>
+                </a:solidFill>
+                <a:latin typeface="Courier New" panose="02070309020205020404" pitchFamily="49" charset="0"/>
+                <a:cs typeface="Courier New" panose="02070309020205020404" pitchFamily="49" charset="0"/>
+              </a:rPr>
+              <a:t>long</a:t>
+            </a:r>
+            <a:r>
+              <a:rPr lang="en-US" b="1" dirty="0">
+                <a:solidFill>
+                  <a:schemeClr val="tx1"/>
+                </a:solidFill>
+                <a:latin typeface="Courier New" panose="02070309020205020404" pitchFamily="49" charset="0"/>
+                <a:cs typeface="Courier New" panose="02070309020205020404" pitchFamily="49" charset="0"/>
+              </a:rPr>
+              <a:t> factorial(</a:t>
+            </a:r>
+            <a:r>
+              <a:rPr lang="en-US" b="1" dirty="0">
+                <a:solidFill>
+                  <a:srgbClr val="0000FF"/>
+                </a:solidFill>
+                <a:latin typeface="Courier New" panose="02070309020205020404" pitchFamily="49" charset="0"/>
+                <a:cs typeface="Courier New" panose="02070309020205020404" pitchFamily="49" charset="0"/>
+              </a:rPr>
+              <a:t>long</a:t>
+            </a:r>
+            <a:r>
+              <a:rPr lang="en-US" b="1" dirty="0">
+                <a:solidFill>
+                  <a:schemeClr val="tx1"/>
+                </a:solidFill>
+                <a:latin typeface="Courier New" panose="02070309020205020404" pitchFamily="49" charset="0"/>
+                <a:cs typeface="Courier New" panose="02070309020205020404" pitchFamily="49" charset="0"/>
+              </a:rPr>
+              <a:t> n) </a:t>
+            </a:r>
+          </a:p>
+          <a:p>
+            <a:pPr>
+              <a:tabLst>
+                <a:tab pos="347663" algn="l"/>
+                <a:tab pos="682625" algn="l"/>
+                <a:tab pos="1087438" algn="l"/>
+                <a:tab pos="1377950" algn="l"/>
+                <a:tab pos="1712913" algn="l"/>
+              </a:tabLst>
+            </a:pPr>
+            <a:r>
+              <a:rPr lang="en-US" b="1" dirty="0">
+                <a:solidFill>
+                  <a:schemeClr val="tx1"/>
+                </a:solidFill>
+                <a:latin typeface="Courier New" panose="02070309020205020404" pitchFamily="49" charset="0"/>
+                <a:cs typeface="Courier New" panose="02070309020205020404" pitchFamily="49" charset="0"/>
+              </a:rPr>
+              <a:t>{ </a:t>
+            </a:r>
+          </a:p>
+          <a:p>
+            <a:pPr>
+              <a:tabLst>
+                <a:tab pos="347663" algn="l"/>
+                <a:tab pos="682625" algn="l"/>
+                <a:tab pos="1087438" algn="l"/>
+                <a:tab pos="1377950" algn="l"/>
+                <a:tab pos="1712913" algn="l"/>
+              </a:tabLst>
+            </a:pPr>
+            <a:r>
+              <a:rPr lang="en-US" b="1" dirty="0">
+                <a:solidFill>
+                  <a:schemeClr val="tx1"/>
+                </a:solidFill>
+                <a:latin typeface="Courier New" panose="02070309020205020404" pitchFamily="49" charset="0"/>
+                <a:cs typeface="Courier New" panose="02070309020205020404" pitchFamily="49" charset="0"/>
+              </a:rPr>
+              <a:t>    </a:t>
+            </a:r>
+            <a:r>
+              <a:rPr lang="en-US" b="1" dirty="0">
+                <a:solidFill>
+                  <a:srgbClr val="0000FF"/>
+                </a:solidFill>
+                <a:latin typeface="Courier New" panose="02070309020205020404" pitchFamily="49" charset="0"/>
+                <a:cs typeface="Courier New" panose="02070309020205020404" pitchFamily="49" charset="0"/>
+              </a:rPr>
+              <a:t>long</a:t>
+            </a:r>
+            <a:r>
+              <a:rPr lang="en-US" b="1" dirty="0">
+                <a:solidFill>
+                  <a:schemeClr val="tx1"/>
+                </a:solidFill>
+                <a:latin typeface="Courier New" panose="02070309020205020404" pitchFamily="49" charset="0"/>
+                <a:cs typeface="Courier New" panose="02070309020205020404" pitchFamily="49" charset="0"/>
+              </a:rPr>
+              <a:t> answer; </a:t>
+            </a:r>
+          </a:p>
+          <a:p>
+            <a:pPr>
+              <a:tabLst>
+                <a:tab pos="347663" algn="l"/>
+                <a:tab pos="682625" algn="l"/>
+                <a:tab pos="1087438" algn="l"/>
+                <a:tab pos="1377950" algn="l"/>
+                <a:tab pos="1712913" algn="l"/>
+              </a:tabLst>
+            </a:pPr>
+            <a:r>
+              <a:rPr lang="en-US" b="1" dirty="0">
+                <a:solidFill>
+                  <a:schemeClr val="tx1"/>
+                </a:solidFill>
+                <a:latin typeface="Courier New" panose="02070309020205020404" pitchFamily="49" charset="0"/>
+                <a:cs typeface="Courier New" panose="02070309020205020404" pitchFamily="49" charset="0"/>
+              </a:rPr>
+              <a:t>    </a:t>
+            </a:r>
+          </a:p>
+          <a:p>
+            <a:pPr>
+              <a:tabLst>
+                <a:tab pos="347663" algn="l"/>
+                <a:tab pos="682625" algn="l"/>
+                <a:tab pos="1087438" algn="l"/>
+                <a:tab pos="1377950" algn="l"/>
+                <a:tab pos="1712913" algn="l"/>
+              </a:tabLst>
+            </a:pPr>
+            <a:r>
+              <a:rPr lang="en-US" b="1" dirty="0">
+                <a:solidFill>
+                  <a:schemeClr val="tx1"/>
+                </a:solidFill>
+                <a:latin typeface="Courier New" panose="02070309020205020404" pitchFamily="49" charset="0"/>
+                <a:cs typeface="Courier New" panose="02070309020205020404" pitchFamily="49" charset="0"/>
+              </a:rPr>
+              <a:t>    answer = n * factorial(n - </a:t>
+            </a:r>
+            <a:r>
+              <a:rPr lang="en-US" b="1" dirty="0">
+                <a:solidFill>
+                  <a:srgbClr val="C00000"/>
+                </a:solidFill>
+                <a:latin typeface="Courier New" panose="02070309020205020404" pitchFamily="49" charset="0"/>
+                <a:cs typeface="Courier New" panose="02070309020205020404" pitchFamily="49" charset="0"/>
+              </a:rPr>
+              <a:t>1</a:t>
+            </a:r>
+            <a:r>
+              <a:rPr lang="en-US" b="1" dirty="0">
+                <a:solidFill>
+                  <a:schemeClr val="tx1"/>
+                </a:solidFill>
+                <a:latin typeface="Courier New" panose="02070309020205020404" pitchFamily="49" charset="0"/>
+                <a:cs typeface="Courier New" panose="02070309020205020404" pitchFamily="49" charset="0"/>
+              </a:rPr>
+              <a:t>); </a:t>
+            </a:r>
+          </a:p>
+          <a:p>
+            <a:pPr>
+              <a:tabLst>
+                <a:tab pos="347663" algn="l"/>
+                <a:tab pos="682625" algn="l"/>
+                <a:tab pos="1087438" algn="l"/>
+                <a:tab pos="1377950" algn="l"/>
+                <a:tab pos="1712913" algn="l"/>
+              </a:tabLst>
+            </a:pPr>
+            <a:endParaRPr lang="en-US" b="1" dirty="0">
+              <a:solidFill>
+                <a:schemeClr val="tx1"/>
+              </a:solidFill>
+              <a:latin typeface="Courier New" panose="02070309020205020404" pitchFamily="49" charset="0"/>
+              <a:cs typeface="Courier New" panose="02070309020205020404" pitchFamily="49" charset="0"/>
+            </a:endParaRPr>
+          </a:p>
+          <a:p>
+            <a:pPr>
+              <a:tabLst>
+                <a:tab pos="347663" algn="l"/>
+                <a:tab pos="682625" algn="l"/>
+                <a:tab pos="1087438" algn="l"/>
+                <a:tab pos="1377950" algn="l"/>
+                <a:tab pos="1712913" algn="l"/>
+              </a:tabLst>
+            </a:pPr>
+            <a:r>
+              <a:rPr lang="en-US" b="1" dirty="0">
+                <a:solidFill>
+                  <a:schemeClr val="tx1"/>
+                </a:solidFill>
+                <a:latin typeface="Courier New" panose="02070309020205020404" pitchFamily="49" charset="0"/>
+                <a:cs typeface="Courier New" panose="02070309020205020404" pitchFamily="49" charset="0"/>
+              </a:rPr>
+              <a:t>    </a:t>
+            </a:r>
+            <a:r>
+              <a:rPr lang="en-US" b="1" dirty="0">
+                <a:solidFill>
+                  <a:srgbClr val="0000FF"/>
+                </a:solidFill>
+                <a:latin typeface="Courier New" panose="02070309020205020404" pitchFamily="49" charset="0"/>
+                <a:cs typeface="Courier New" panose="02070309020205020404" pitchFamily="49" charset="0"/>
+              </a:rPr>
+              <a:t>return</a:t>
+            </a:r>
+            <a:r>
+              <a:rPr lang="en-US" b="1" dirty="0">
+                <a:solidFill>
+                  <a:schemeClr val="tx1"/>
+                </a:solidFill>
+                <a:latin typeface="Courier New" panose="02070309020205020404" pitchFamily="49" charset="0"/>
+                <a:cs typeface="Courier New" panose="02070309020205020404" pitchFamily="49" charset="0"/>
+              </a:rPr>
+              <a:t> answer;</a:t>
+            </a:r>
+          </a:p>
+          <a:p>
+            <a:pPr>
+              <a:tabLst>
+                <a:tab pos="347663" algn="l"/>
+                <a:tab pos="682625" algn="l"/>
+                <a:tab pos="1087438" algn="l"/>
+                <a:tab pos="1377950" algn="l"/>
+                <a:tab pos="1712913" algn="l"/>
+              </a:tabLst>
+            </a:pPr>
+            <a:r>
+              <a:rPr lang="en-US" b="1" dirty="0">
+                <a:solidFill>
+                  <a:schemeClr val="tx1"/>
+                </a:solidFill>
+                <a:latin typeface="Courier New" panose="02070309020205020404" pitchFamily="49" charset="0"/>
+                <a:cs typeface="Courier New" panose="02070309020205020404" pitchFamily="49" charset="0"/>
+              </a:rPr>
+              <a:t>}</a:t>
+            </a:r>
+          </a:p>
+        </p:txBody>
+      </p:sp>
+      <p:sp>
+        <p:nvSpPr>
+          <p:cNvPr id="3" name="Footer Placeholder 2">
+            <a:extLst>
+              <a:ext uri="{FF2B5EF4-FFF2-40B4-BE49-F238E27FC236}">
+                <a16:creationId xmlns:a16="http://schemas.microsoft.com/office/drawing/2014/main" id="{5B7977CC-F841-30B0-222E-330C0BBFFC89}"/>
+              </a:ext>
+            </a:extLst>
+          </p:cNvPr>
+          <p:cNvSpPr>
+            <a:spLocks noGrp="1"/>
+          </p:cNvSpPr>
+          <p:nvPr>
+            <p:ph type="ftr" sz="quarter" idx="11"/>
+          </p:nvPr>
+        </p:nvSpPr>
+        <p:spPr/>
+        <p:txBody>
+          <a:bodyPr/>
+          <a:lstStyle/>
+          <a:p>
+            <a:pPr algn="l">
+              <a:defRPr/>
+            </a:pPr>
+            <a:r>
+              <a:rPr lang="en-US"/>
+              <a:t>CS1010 (AY2023/24 Semester 2)</a:t>
+            </a:r>
+            <a:endParaRPr lang="en-US" dirty="0"/>
+          </a:p>
+        </p:txBody>
+      </p:sp>
+      <p:sp>
+        <p:nvSpPr>
+          <p:cNvPr id="6" name="TextBox 5">
+            <a:extLst>
+              <a:ext uri="{FF2B5EF4-FFF2-40B4-BE49-F238E27FC236}">
+                <a16:creationId xmlns:a16="http://schemas.microsoft.com/office/drawing/2014/main" id="{9342767D-0A7C-2482-EA26-050EED4B5DE4}"/>
+              </a:ext>
+            </a:extLst>
+          </p:cNvPr>
+          <p:cNvSpPr txBox="1"/>
+          <p:nvPr/>
+        </p:nvSpPr>
+        <p:spPr>
+          <a:xfrm>
+            <a:off x="6295056" y="2445971"/>
+            <a:ext cx="2391743" cy="1754326"/>
+          </a:xfrm>
+          <a:prstGeom prst="rect">
+            <a:avLst/>
+          </a:prstGeom>
+          <a:solidFill>
+            <a:srgbClr val="FFFF99"/>
+          </a:solidFill>
+          <a:ln w="12700"/>
+        </p:spPr>
+        <p:style>
+          <a:lnRef idx="2">
+            <a:schemeClr val="accent4"/>
+          </a:lnRef>
+          <a:fillRef idx="1">
+            <a:schemeClr val="lt1"/>
+          </a:fillRef>
+          <a:effectRef idx="0">
+            <a:schemeClr val="accent4"/>
+          </a:effectRef>
+          <a:fontRef idx="minor">
+            <a:schemeClr val="dk1"/>
+          </a:fontRef>
+        </p:style>
+        <p:txBody>
+          <a:bodyPr wrap="square" rtlCol="0">
+            <a:spAutoFit/>
+          </a:bodyPr>
+          <a:lstStyle/>
+          <a:p>
+            <a:r>
+              <a:rPr lang="en-US" dirty="0"/>
+              <a:t>Infinite recursion. </a:t>
+            </a:r>
+          </a:p>
+          <a:p>
+            <a:endParaRPr lang="en-US" dirty="0"/>
+          </a:p>
+          <a:p>
+            <a:r>
+              <a:rPr lang="en-US" dirty="0"/>
+              <a:t>May cause </a:t>
+            </a:r>
+            <a:r>
+              <a:rPr lang="en-US" dirty="0">
+                <a:solidFill>
+                  <a:srgbClr val="0000FF"/>
+                </a:solidFill>
+              </a:rPr>
+              <a:t>stack overflow</a:t>
+            </a:r>
+            <a:r>
+              <a:rPr lang="en-US" dirty="0"/>
+              <a:t> as signaled by segmentation fault or crashing…</a:t>
+            </a:r>
+          </a:p>
+        </p:txBody>
+      </p:sp>
+    </p:spTree>
+    <p:extLst>
+      <p:ext uri="{BB962C8B-B14F-4D97-AF65-F5344CB8AC3E}">
+        <p14:creationId xmlns:p14="http://schemas.microsoft.com/office/powerpoint/2010/main" val="3642427802"/>
+      </p:ext>
+    </p:extLst>
+  </p:cSld>
+  <p:clrMapOvr>
+    <a:masterClrMapping/>
+  </p:clrMapOvr>
+  <p:transition>
+    <p:fade/>
+  </p:transition>
+  <p:timing>
+    <p:tnLst>
+      <p:par>
+        <p:cTn id="1" dur="indefinite" restart="never" nodeType="tmRoot">
+          <p:childTnLst>
+            <p:seq concurrent="1" nextAc="seek">
+              <p:cTn id="2" dur="indefinite" nodeType="mainSeq">
+                <p:childTnLst>
+                  <p:par>
+                    <p:cTn id="3" fill="hold">
+                      <p:stCondLst>
+                        <p:cond delay="indefinite"/>
+                      </p:stCondLst>
+                      <p:childTnLst>
+                        <p:par>
+                          <p:cTn id="4" fill="hold">
+                            <p:stCondLst>
+                              <p:cond delay="0"/>
+                            </p:stCondLst>
+                            <p:childTnLst>
+                              <p:par>
+                                <p:cTn id="5" presetID="1" presetClass="entr" presetSubtype="0" fill="hold" grpId="0" nodeType="clickEffect">
+                                  <p:stCondLst>
+                                    <p:cond delay="0"/>
+                                  </p:stCondLst>
+                                  <p:childTnLst>
+                                    <p:set>
+                                      <p:cBhvr>
+                                        <p:cTn id="6" dur="1" fill="hold">
+                                          <p:stCondLst>
+                                            <p:cond delay="0"/>
+                                          </p:stCondLst>
+                                        </p:cTn>
+                                        <p:tgtEl>
+                                          <p:spTgt spid="6"/>
+                                        </p:tgtEl>
+                                        <p:attrNameLst>
+                                          <p:attrName>style.visibility</p:attrName>
+                                        </p:attrNameLst>
+                                      </p:cBhvr>
+                                      <p:to>
+                                        <p:strVal val="visible"/>
+                                      </p:to>
+                                    </p:set>
+                                  </p:childTnLst>
+                                </p:cTn>
+                              </p:par>
+                            </p:childTnLst>
+                          </p:cTn>
+                        </p:par>
+                      </p:childTnLst>
+                    </p:cTn>
+                  </p:par>
+                </p:childTnLst>
+              </p:cTn>
+              <p:prevCondLst>
+                <p:cond evt="onPrev" delay="0">
+                  <p:tgtEl>
+                    <p:sldTgt/>
+                  </p:tgtEl>
+                </p:cond>
+              </p:prevCondLst>
+              <p:nextCondLst>
+                <p:cond evt="onNext" delay="0">
+                  <p:tgtEl>
+                    <p:sldTgt/>
+                  </p:tgtEl>
+                </p:cond>
+              </p:nextCondLst>
+            </p:seq>
+          </p:childTnLst>
+        </p:cTn>
+      </p:par>
+    </p:tnLst>
+    <p:bldLst>
+      <p:bldP spid="6" grpId="0" animBg="1"/>
+    </p:bldLst>
+  </p:timing>
+</p:sld>
+</file>
+
 <file path=ppt/slides/slide2.xml><?xml version="1.0" encoding="utf-8"?>
 <p:sld xmlns:a="http://schemas.openxmlformats.org/drawingml/2006/main" xmlns:r="http://schemas.openxmlformats.org/officeDocument/2006/relationships" xmlns:p="http://schemas.openxmlformats.org/presentationml/2006/main">
   <p:cSld name="PPTLabsHighlightBulletsSlide201407080929400618">
@@ -12986,8 +14305,46 @@
             </a:pPr>
             <a:r>
               <a:rPr lang="en-US" sz="2400" dirty="0"/>
-              <a:t>It is a location in the memory that holds a value.</a:t>
-            </a:r>
+              <a:t>It is used to hold a value (e.g., for input).</a:t>
+            </a:r>
+          </a:p>
+          <a:p>
+            <a:pPr marL="621983" lvl="1" indent="-347663">
+              <a:spcBef>
+                <a:spcPts val="600"/>
+              </a:spcBef>
+              <a:buClr>
+                <a:schemeClr val="tx1">
+                  <a:lumMod val="90000"/>
+                  <a:lumOff val="10000"/>
+                </a:schemeClr>
+              </a:buClr>
+              <a:buSzPct val="100000"/>
+              <a:buFont typeface="Wingdings" panose="05000000000000000000" pitchFamily="2" charset="2"/>
+              <a:buChar char="§"/>
+              <a:defRPr/>
+            </a:pPr>
+            <a:r>
+              <a:rPr lang="en-US" sz="2400" dirty="0"/>
+              <a:t>It is stored in the computer memory.</a:t>
+            </a:r>
+          </a:p>
+          <a:p>
+            <a:pPr marL="0" indent="0">
+              <a:spcBef>
+                <a:spcPts val="600"/>
+              </a:spcBef>
+              <a:buClr>
+                <a:schemeClr val="tx1">
+                  <a:lumMod val="90000"/>
+                  <a:lumOff val="10000"/>
+                </a:schemeClr>
+              </a:buClr>
+              <a:buSzPct val="100000"/>
+              <a:buNone/>
+              <a:defRPr/>
+            </a:pPr>
+            <a:endParaRPr lang="en-US" dirty="0"/>
           </a:p>
           <a:p>
             <a:pPr marL="347663" indent="-347663">
@@ -13005,6 +14362,117 @@
               <a:buChar char="§"/>
               <a:defRPr/>
             </a:pPr>
+            <a:r>
+              <a:rPr lang="en-US" sz="2800" dirty="0"/>
+              <a:t>Why do we need to </a:t>
+            </a:r>
+            <a:r>
+              <a:rPr lang="en-US" sz="2800" dirty="0">
+                <a:solidFill>
+                  <a:srgbClr val="0000FF"/>
+                </a:solidFill>
+              </a:rPr>
+              <a:t>declare variables</a:t>
+            </a:r>
+            <a:r>
+              <a:rPr lang="en-US" sz="2800" dirty="0"/>
+              <a:t>?</a:t>
+            </a:r>
+          </a:p>
+          <a:p>
+            <a:pPr marL="621983" lvl="1" indent="-347663">
+              <a:spcBef>
+                <a:spcPts val="600"/>
+              </a:spcBef>
+              <a:buClr>
+                <a:schemeClr val="tx1">
+                  <a:lumMod val="90000"/>
+                  <a:lumOff val="10000"/>
+                </a:schemeClr>
+              </a:buClr>
+              <a:buSzPct val="100000"/>
+              <a:buFont typeface="Wingdings" panose="05000000000000000000" pitchFamily="2" charset="2"/>
+              <a:buChar char="§"/>
+              <a:defRPr/>
+            </a:pPr>
+            <a:r>
+              <a:rPr lang="en-US" sz="2400" dirty="0"/>
+              <a:t>So that the computer can </a:t>
+            </a:r>
+          </a:p>
+          <a:p>
+            <a:pPr marL="896303" lvl="2" indent="-347663">
+              <a:spcBef>
+                <a:spcPts val="600"/>
+              </a:spcBef>
+              <a:buClr>
+                <a:schemeClr val="tx1">
+                  <a:lumMod val="90000"/>
+                  <a:lumOff val="10000"/>
+                </a:schemeClr>
+              </a:buClr>
+              <a:buSzPct val="100000"/>
+              <a:buFont typeface="Wingdings" panose="05000000000000000000" pitchFamily="2" charset="2"/>
+              <a:buChar char="§"/>
+              <a:defRPr/>
+            </a:pPr>
+            <a:r>
+              <a:rPr lang="en-US" sz="2200" dirty="0">
+                <a:solidFill>
+                  <a:srgbClr val="0000FF"/>
+                </a:solidFill>
+              </a:rPr>
+              <a:t>Allocate</a:t>
+            </a:r>
+            <a:r>
+              <a:rPr lang="en-US" sz="2200" dirty="0"/>
+              <a:t> some space in memory for the variable</a:t>
+            </a:r>
+          </a:p>
+          <a:p>
+            <a:pPr marL="896303" lvl="2" indent="-347663">
+              <a:spcBef>
+                <a:spcPts val="600"/>
+              </a:spcBef>
+              <a:buClr>
+                <a:schemeClr val="tx1">
+                  <a:lumMod val="90000"/>
+                  <a:lumOff val="10000"/>
+                </a:schemeClr>
+              </a:buClr>
+              <a:buSzPct val="100000"/>
+              <a:buFont typeface="Wingdings" panose="05000000000000000000" pitchFamily="2" charset="2"/>
+              <a:buChar char="§"/>
+              <a:defRPr/>
+            </a:pPr>
+            <a:r>
+              <a:rPr lang="en-US" sz="2200" dirty="0">
+                <a:solidFill>
+                  <a:srgbClr val="0000FF"/>
+                </a:solidFill>
+              </a:rPr>
+              <a:t>Interpret</a:t>
+            </a:r>
+            <a:r>
+              <a:rPr lang="en-US" sz="2200" dirty="0"/>
+              <a:t> the value of the variable accordingly</a:t>
+            </a:r>
+          </a:p>
+          <a:p>
+            <a:pPr marL="274320" lvl="1" indent="0">
+              <a:spcBef>
+                <a:spcPts val="600"/>
+              </a:spcBef>
+              <a:buClr>
+                <a:schemeClr val="tx1">
+                  <a:lumMod val="90000"/>
+                  <a:lumOff val="10000"/>
+                </a:schemeClr>
+              </a:buClr>
+              <a:buSzPct val="100000"/>
+              <a:buNone/>
+              <a:defRPr/>
+            </a:pPr>
             <a:endParaRPr lang="en-US" dirty="0"/>
           </a:p>
           <a:p>
@@ -13025,7 +14493,7 @@
             </a:pPr>
             <a:r>
               <a:rPr lang="en-US" sz="2800" dirty="0"/>
-              <a:t>Why do we need to </a:t>
+              <a:t>Where do we </a:t>
             </a:r>
             <a:r>
               <a:rPr lang="en-US" sz="2800" dirty="0">
@@ -13037,7 +14505,7 @@
             </a:r>
             <a:r>
               <a:rPr lang="en-US" sz="2800" dirty="0"/>
-              <a:t>?</a:t>
+              <a:t> in most cases?</a:t>
             </a:r>
           </a:p>
           <a:p>
@@ -13058,136 +14526,7 @@
             </a:pPr>
             <a:r>
               <a:rPr lang="en-US" sz="2400" dirty="0"/>
-              <a:t>The declaration is needed so that the computer can </a:t>
-            </a:r>
-          </a:p>
-          <a:p>
-            <a:pPr marL="896303" lvl="2" indent="-347663">
-              <a:spcBef>
-                <a:spcPts val="600"/>
-              </a:spcBef>
-              <a:buClr>
-                <a:schemeClr val="tx1">
-                  <a:lumMod val="90000"/>
-                  <a:lumOff val="10000"/>
-                </a:schemeClr>
-              </a:buClr>
-              <a:buSzPct val="100000"/>
-              <a:buFont typeface="Wingdings" panose="05000000000000000000" pitchFamily="2" charset="2"/>
-              <a:buChar char="§"/>
-              <a:defRPr/>
-            </a:pPr>
-            <a:r>
-              <a:rPr lang="en-US" sz="2200" dirty="0">
-                <a:solidFill>
-                  <a:srgbClr val="0000FF"/>
-                </a:solidFill>
-              </a:rPr>
-              <a:t>Allocate</a:t>
-            </a:r>
-            <a:r>
-              <a:rPr lang="en-US" sz="2200" dirty="0"/>
-              <a:t> the right number of bits in memory for the variable</a:t>
-            </a:r>
-          </a:p>
-          <a:p>
-            <a:pPr marL="896303" lvl="2" indent="-347663">
-              <a:spcBef>
-                <a:spcPts val="600"/>
-              </a:spcBef>
-              <a:buClr>
-                <a:schemeClr val="tx1">
-                  <a:lumMod val="90000"/>
-                  <a:lumOff val="10000"/>
-                </a:schemeClr>
-              </a:buClr>
-              <a:buSzPct val="100000"/>
-              <a:buFont typeface="Wingdings" panose="05000000000000000000" pitchFamily="2" charset="2"/>
-              <a:buChar char="§"/>
-              <a:defRPr/>
-            </a:pPr>
-            <a:r>
-              <a:rPr lang="en-US" sz="2200" dirty="0">
-                <a:solidFill>
-                  <a:srgbClr val="0000FF"/>
-                </a:solidFill>
-              </a:rPr>
-              <a:t>Interpret</a:t>
-            </a:r>
-            <a:r>
-              <a:rPr lang="en-US" sz="2200" dirty="0"/>
-              <a:t> the value of the variable accordingly</a:t>
-            </a:r>
-          </a:p>
-          <a:p>
-            <a:pPr marL="274320" lvl="1" indent="0">
-              <a:spcBef>
-                <a:spcPts val="600"/>
-              </a:spcBef>
-              <a:buClr>
-                <a:schemeClr val="tx1">
-                  <a:lumMod val="90000"/>
-                  <a:lumOff val="10000"/>
-                </a:schemeClr>
-              </a:buClr>
-              <a:buSzPct val="100000"/>
-              <a:buNone/>
-              <a:defRPr/>
-            </a:pPr>
-            <a:endParaRPr lang="en-US" dirty="0"/>
-          </a:p>
-          <a:p>
-            <a:pPr marL="347663" indent="-347663">
-              <a:spcBef>
-                <a:spcPts val="600"/>
-              </a:spcBef>
-              <a:buClr>
-                <a:schemeClr val="tx1">
-                  <a:lumMod val="90000"/>
-                  <a:lumOff val="10000"/>
-                </a:schemeClr>
-              </a:buClr>
-              <a:buSzPct val="100000"/>
-              <a:buFont typeface="Wingdings" panose="05000000000000000000" pitchFamily="2" charset="2"/>
-              <a:buChar char="§"/>
-              <a:defRPr/>
-            </a:pPr>
-            <a:r>
-              <a:rPr lang="en-US" sz="2800" dirty="0"/>
-              <a:t>Where do we </a:t>
-            </a:r>
-            <a:r>
-              <a:rPr lang="en-US" sz="2800" dirty="0">
-                <a:solidFill>
-                  <a:srgbClr val="0000FF"/>
-                </a:solidFill>
-              </a:rPr>
-              <a:t>declare variables</a:t>
-            </a:r>
-            <a:r>
-              <a:rPr lang="en-US" sz="2800" dirty="0"/>
-              <a:t>?</a:t>
-            </a:r>
-          </a:p>
-          <a:p>
-            <a:pPr marL="621983" lvl="1" indent="-347663">
-              <a:spcBef>
-                <a:spcPts val="600"/>
-              </a:spcBef>
-              <a:buClr>
-                <a:schemeClr val="tx1">
-                  <a:lumMod val="90000"/>
-                  <a:lumOff val="10000"/>
-                </a:schemeClr>
-              </a:buClr>
-              <a:buSzPct val="100000"/>
-              <a:buFont typeface="Wingdings" panose="05000000000000000000" pitchFamily="2" charset="2"/>
-              <a:buChar char="§"/>
-              <a:defRPr/>
-            </a:pPr>
-            <a:r>
-              <a:rPr lang="en-US" sz="2400" dirty="0"/>
-              <a:t>Inside functions!</a:t>
+              <a:t>Mainly inside functions!</a:t>
             </a:r>
           </a:p>
         </p:txBody>
@@ -13206,8 +14545,8 @@
         </p:nvSpPr>
         <p:spPr>
           <a:xfrm>
-            <a:off x="932724" y="1746975"/>
-            <a:ext cx="6913699" cy="557349"/>
+            <a:off x="2904690" y="1758694"/>
+            <a:ext cx="3912569" cy="416741"/>
           </a:xfrm>
           <a:prstGeom prst="rect">
             <a:avLst/>
@@ -13258,8 +14597,8 @@
         </p:nvSpPr>
         <p:spPr>
           <a:xfrm>
-            <a:off x="860425" y="3110774"/>
-            <a:ext cx="7473678" cy="1821453"/>
+            <a:off x="1237381" y="5671795"/>
+            <a:ext cx="3334619" cy="416741"/>
           </a:xfrm>
           <a:prstGeom prst="rect">
             <a:avLst/>
@@ -13310,8 +14649,8 @@
         </p:nvSpPr>
         <p:spPr>
           <a:xfrm>
-            <a:off x="860425" y="5576525"/>
-            <a:ext cx="2914741" cy="416741"/>
+            <a:off x="2632283" y="4037127"/>
+            <a:ext cx="4987717" cy="336624"/>
           </a:xfrm>
           <a:prstGeom prst="rect">
             <a:avLst/>
@@ -13376,6 +14715,110 @@
               <a:rPr lang="en-US"/>
               <a:t>CS1010 (AY2023/24 Semester 2)</a:t>
             </a:r>
+            <a:endParaRPr lang="en-US" dirty="0"/>
+          </a:p>
+        </p:txBody>
+      </p:sp>
+      <p:sp>
+        <p:nvSpPr>
+          <p:cNvPr id="3" name="Rectangle 2">
+            <a:extLst>
+              <a:ext uri="{FF2B5EF4-FFF2-40B4-BE49-F238E27FC236}">
+                <a16:creationId xmlns:a16="http://schemas.microsoft.com/office/drawing/2014/main" id="{5B24605A-C033-C70C-EC96-D6A039783C0D}"/>
+              </a:ext>
+            </a:extLst>
+          </p:cNvPr>
+          <p:cNvSpPr/>
+          <p:nvPr/>
+        </p:nvSpPr>
+        <p:spPr>
+          <a:xfrm>
+            <a:off x="3055717" y="2160271"/>
+            <a:ext cx="3078866" cy="416741"/>
+          </a:xfrm>
+          <a:prstGeom prst="rect">
+            <a:avLst/>
+          </a:prstGeom>
+          <a:solidFill>
+            <a:schemeClr val="bg1"/>
+          </a:solidFill>
+          <a:ln>
+            <a:noFill/>
+          </a:ln>
+        </p:spPr>
+        <p:style>
+          <a:lnRef idx="2">
+            <a:schemeClr val="accent1">
+              <a:shade val="50000"/>
+            </a:schemeClr>
+          </a:lnRef>
+          <a:fillRef idx="1">
+            <a:schemeClr val="accent1"/>
+          </a:fillRef>
+          <a:effectRef idx="0">
+            <a:schemeClr val="accent1"/>
+          </a:effectRef>
+          <a:fontRef idx="minor">
+            <a:schemeClr val="lt1"/>
+          </a:fontRef>
+        </p:style>
+        <p:txBody>
+          <a:bodyPr rtlCol="0" anchor="ctr"/>
+          <a:lstStyle/>
+          <a:p>
+            <a:pPr algn="ctr"/>
+            <a:endParaRPr lang="en-US" dirty="0"/>
+          </a:p>
+        </p:txBody>
+      </p:sp>
+      <p:sp>
+        <p:nvSpPr>
+          <p:cNvPr id="5" name="Rectangle 4">
+            <a:extLst>
+              <a:ext uri="{FF2B5EF4-FFF2-40B4-BE49-F238E27FC236}">
+                <a16:creationId xmlns:a16="http://schemas.microsoft.com/office/drawing/2014/main" id="{BEAC0B58-C8D7-4181-AD5C-0A19605300E4}"/>
+              </a:ext>
+            </a:extLst>
+          </p:cNvPr>
+          <p:cNvSpPr/>
+          <p:nvPr/>
+        </p:nvSpPr>
+        <p:spPr>
+          <a:xfrm>
+            <a:off x="2632283" y="4421505"/>
+            <a:ext cx="4562057" cy="336624"/>
+          </a:xfrm>
+          <a:prstGeom prst="rect">
+            <a:avLst/>
+          </a:prstGeom>
+          <a:solidFill>
+            <a:schemeClr val="bg1"/>
+          </a:solidFill>
+          <a:ln>
+            <a:noFill/>
+          </a:ln>
+        </p:spPr>
+        <p:style>
+          <a:lnRef idx="2">
+            <a:schemeClr val="accent1">
+              <a:shade val="50000"/>
+            </a:schemeClr>
+          </a:lnRef>
+          <a:fillRef idx="1">
+            <a:schemeClr val="accent1"/>
+          </a:fillRef>
+          <a:effectRef idx="0">
+            <a:schemeClr val="accent1"/>
+          </a:effectRef>
+          <a:fontRef idx="minor">
+            <a:schemeClr val="lt1"/>
+          </a:fontRef>
+        </p:style>
+        <p:txBody>
+          <a:bodyPr rtlCol="0" anchor="ctr"/>
+          <a:lstStyle/>
+          <a:p>
+            <a:pPr algn="ctr"/>
             <a:endParaRPr lang="en-US" dirty="0"/>
           </a:p>
         </p:txBody>
@@ -13472,7 +14915,7 @@
                                           </p:stCondLst>
                                         </p:cTn>
                                         <p:tgtEl>
-                                          <p:spTgt spid="26"/>
+                                          <p:spTgt spid="3"/>
                                         </p:tgtEl>
                                         <p:attrNameLst>
                                           <p:attrName>style.visibility</p:attrName>
@@ -13536,6 +14979,96 @@
                       </p:childTnLst>
                     </p:cTn>
                   </p:par>
+                  <p:par>
+                    <p:cTn id="15" fill="hold">
+                      <p:stCondLst>
+                        <p:cond delay="indefinite"/>
+                      </p:stCondLst>
+                      <p:childTnLst>
+                        <p:par>
+                          <p:cTn id="16" fill="hold">
+                            <p:stCondLst>
+                              <p:cond delay="0"/>
+                            </p:stCondLst>
+                            <p:childTnLst>
+                              <p:par>
+                                <p:cTn id="17" presetID="1" presetClass="exit" presetSubtype="0" fill="hold" grpId="0" nodeType="clickEffect">
+                                  <p:stCondLst>
+                                    <p:cond delay="0"/>
+                                  </p:stCondLst>
+                                  <p:childTnLst>
+                                    <p:set>
+                                      <p:cBhvr>
+                                        <p:cTn id="18" dur="1" fill="hold">
+                                          <p:stCondLst>
+                                            <p:cond delay="0"/>
+                                          </p:stCondLst>
+                                        </p:cTn>
+                                        <p:tgtEl>
+                                          <p:spTgt spid="5"/>
+                                        </p:tgtEl>
+                                        <p:attrNameLst>
+                                          <p:attrName>style.visibility</p:attrName>
+                                        </p:attrNameLst>
+                                      </p:cBhvr>
+                                      <p:to>
+                                        <p:strVal val="hidden"/>
+                                      </p:to>
+                                    </p:set>
+                                  </p:childTnLst>
+                                </p:cTn>
+                              </p:par>
+                            </p:childTnLst>
+                          </p:cTn>
+                        </p:par>
+                      </p:childTnLst>
+                    </p:cTn>
+                  </p:par>
+                  <p:par>
+                    <p:cTn id="19" fill="hold">
+                      <p:stCondLst>
+                        <p:cond delay="indefinite"/>
+                      </p:stCondLst>
+                      <p:childTnLst>
+                        <p:par>
+                          <p:cTn id="20" fill="hold">
+                            <p:stCondLst>
+                              <p:cond delay="0"/>
+                            </p:stCondLst>
+                            <p:childTnLst>
+                              <p:par>
+                                <p:cTn id="21" presetID="1" presetClass="exit" presetSubtype="0" fill="hold" grpId="0" nodeType="clickEffect">
+                                  <p:stCondLst>
+                                    <p:cond delay="0"/>
+                                  </p:stCondLst>
+                                  <p:childTnLst>
+                                    <p:set>
+                                      <p:cBhvr>
+                                        <p:cTn id="22" dur="1" fill="hold">
+                                          <p:stCondLst>
+                                            <p:cond delay="0"/>
+                                          </p:stCondLst>
+                                        </p:cTn>
+                                        <p:tgtEl>
+                                          <p:spTgt spid="26"/>
+                                        </p:tgtEl>
+                                        <p:attrNameLst>
+                                          <p:attrName>style.visibility</p:attrName>
+                                        </p:attrNameLst>
+                                      </p:cBhvr>
+                                      <p:to>
+                                        <p:strVal val="hidden"/>
+                                      </p:to>
+                                    </p:set>
+                                  </p:childTnLst>
+                                </p:cTn>
+                              </p:par>
+                            </p:childTnLst>
+                          </p:cTn>
+                        </p:par>
+                      </p:childTnLst>
+                    </p:cTn>
+                  </p:par>
                 </p:childTnLst>
               </p:cTn>
               <p:prevCondLst>
@@ -13561,6 +15094,8 @@
       <p:bldP spid="23" grpId="0" animBg="1"/>
       <p:bldP spid="26" grpId="0" animBg="1"/>
       <p:bldP spid="27" grpId="0" animBg="1"/>
+      <p:bldP spid="3" grpId="0" animBg="1"/>
+      <p:bldP spid="5" grpId="0" animBg="1"/>
     </p:bldLst>
   </p:timing>
 </p:sld>
@@ -13759,7 +15294,7 @@
             </a:pPr>
             <a:r>
               <a:rPr lang="en-US" dirty="0"/>
-              <a:t>A function call performs the specified task of the function</a:t>
+              <a:t>A function call uses the function to performs the specified task.</a:t>
             </a:r>
           </a:p>
           <a:p>
@@ -14212,8 +15747,8 @@
         </p:nvSpPr>
         <p:spPr>
           <a:xfrm>
-            <a:off x="863055" y="1581512"/>
-            <a:ext cx="6913699" cy="557349"/>
+            <a:off x="883091" y="1685376"/>
+            <a:ext cx="7540166" cy="340274"/>
           </a:xfrm>
           <a:prstGeom prst="rect">
             <a:avLst/>
@@ -14413,7 +15948,7 @@
                             </p:stCondLst>
                             <p:childTnLst>
                               <p:par>
-                                <p:cTn id="9" presetID="1" presetClass="exit" presetSubtype="0" fill="hold" grpId="0" nodeType="clickEffect">
+                                <p:cTn id="9" presetID="1" presetClass="entr" presetSubtype="0" fill="hold" nodeType="clickEffect">
                                   <p:stCondLst>
                                     <p:cond delay="0"/>
                                   </p:stCondLst>
@@ -14421,6 +15956,82 @@
                                     <p:set>
                                       <p:cBhvr>
                                         <p:cTn id="10" dur="1" fill="hold">
+                                          <p:stCondLst>
+                                            <p:cond delay="0"/>
+                                          </p:stCondLst>
+                                        </p:cTn>
+                                        <p:tgtEl>
+                                          <p:spTgt spid="8">
+                                            <p:txEl>
+                                              <p:pRg st="3" end="3"/>
+                                            </p:txEl>
+                                          </p:spTgt>
+                                        </p:tgtEl>
+                                        <p:attrNameLst>
+                                          <p:attrName>style.visibility</p:attrName>
+                                        </p:attrNameLst>
+                                      </p:cBhvr>
+                                      <p:to>
+                                        <p:strVal val="visible"/>
+                                      </p:to>
+                                    </p:set>
+                                  </p:childTnLst>
+                                </p:cTn>
+                              </p:par>
+                              <p:par>
+                                <p:cTn id="11" presetID="1" presetClass="entr" presetSubtype="0" fill="hold" grpId="0" nodeType="withEffect">
+                                  <p:stCondLst>
+                                    <p:cond delay="0"/>
+                                  </p:stCondLst>
+                                  <p:childTnLst>
+                                    <p:set>
+                                      <p:cBhvr>
+                                        <p:cTn id="12" dur="1" fill="hold">
+                                          <p:stCondLst>
+                                            <p:cond delay="0"/>
+                                          </p:stCondLst>
+                                        </p:cTn>
+                                        <p:tgtEl>
+                                          <p:spTgt spid="6"/>
+                                        </p:tgtEl>
+                                        <p:attrNameLst>
+                                          <p:attrName>style.visibility</p:attrName>
+                                        </p:attrNameLst>
+                                      </p:cBhvr>
+                                      <p:to>
+                                        <p:strVal val="visible"/>
+                                      </p:to>
+                                    </p:set>
+                                  </p:childTnLst>
+                                </p:cTn>
+                              </p:par>
+                            </p:childTnLst>
+                          </p:cTn>
+                        </p:par>
+                      </p:childTnLst>
+                    </p:cTn>
+                  </p:par>
+                  <p:par>
+                    <p:cTn id="13" fill="hold">
+                      <p:stCondLst>
+                        <p:cond delay="indefinite"/>
+                      </p:stCondLst>
+                      <p:childTnLst>
+                        <p:par>
+                          <p:cTn id="14" fill="hold">
+                            <p:stCondLst>
+                              <p:cond delay="0"/>
+                            </p:stCondLst>
+                            <p:childTnLst>
+                              <p:par>
+                                <p:cTn id="15" presetID="1" presetClass="exit" presetSubtype="0" fill="hold" grpId="0" nodeType="clickEffect">
+                                  <p:stCondLst>
+                                    <p:cond delay="0"/>
+                                  </p:stCondLst>
+                                  <p:childTnLst>
+                                    <p:set>
+                                      <p:cBhvr>
+                                        <p:cTn id="16" dur="1" fill="hold">
                                           <p:stCondLst>
                                             <p:cond delay="0"/>
                                           </p:stCondLst>
@@ -14467,6 +16078,7 @@
       </p:par>
     </p:tnLst>
     <p:bldLst>
+      <p:bldP spid="6" grpId="0" animBg="1"/>
       <p:bldP spid="13" grpId="0" animBg="1"/>
       <p:bldP spid="14" grpId="0" animBg="1"/>
     </p:bldLst>
@@ -14607,7 +16219,7 @@
         </p:nvSpPr>
         <p:spPr>
           <a:xfrm>
-            <a:off x="587375" y="1187450"/>
+            <a:off x="624993" y="1180666"/>
             <a:ext cx="8292856" cy="5450114"/>
           </a:xfrm>
         </p:spPr>
@@ -15290,6 +16902,110 @@
           </a:p>
         </p:txBody>
       </p:sp>
+      <p:sp>
+        <p:nvSpPr>
+          <p:cNvPr id="5" name="Rectangle 4">
+            <a:extLst>
+              <a:ext uri="{FF2B5EF4-FFF2-40B4-BE49-F238E27FC236}">
+                <a16:creationId xmlns:a16="http://schemas.microsoft.com/office/drawing/2014/main" id="{395D35FB-D5C0-DE5E-A61C-35B8237618DC}"/>
+              </a:ext>
+            </a:extLst>
+          </p:cNvPr>
+          <p:cNvSpPr/>
+          <p:nvPr/>
+        </p:nvSpPr>
+        <p:spPr>
+          <a:xfrm>
+            <a:off x="3922226" y="2882214"/>
+            <a:ext cx="2239837" cy="675798"/>
+          </a:xfrm>
+          <a:prstGeom prst="rect">
+            <a:avLst/>
+          </a:prstGeom>
+          <a:solidFill>
+            <a:srgbClr val="ECEAEA"/>
+          </a:solidFill>
+          <a:ln>
+            <a:noFill/>
+          </a:ln>
+        </p:spPr>
+        <p:style>
+          <a:lnRef idx="2">
+            <a:schemeClr val="accent1">
+              <a:shade val="15000"/>
+            </a:schemeClr>
+          </a:lnRef>
+          <a:fillRef idx="1">
+            <a:schemeClr val="accent1"/>
+          </a:fillRef>
+          <a:effectRef idx="0">
+            <a:schemeClr val="accent1"/>
+          </a:effectRef>
+          <a:fontRef idx="minor">
+            <a:schemeClr val="lt1"/>
+          </a:fontRef>
+        </p:style>
+        <p:txBody>
+          <a:bodyPr rtlCol="0" anchor="ctr"/>
+          <a:lstStyle/>
+          <a:p>
+            <a:pPr algn="ctr"/>
+            <a:endParaRPr lang="en-SG"/>
+          </a:p>
+        </p:txBody>
+      </p:sp>
+      <p:sp>
+        <p:nvSpPr>
+          <p:cNvPr id="6" name="Rectangle 5">
+            <a:extLst>
+              <a:ext uri="{FF2B5EF4-FFF2-40B4-BE49-F238E27FC236}">
+                <a16:creationId xmlns:a16="http://schemas.microsoft.com/office/drawing/2014/main" id="{7602365E-BE5D-A4DC-8901-DF13C5A55BA8}"/>
+              </a:ext>
+            </a:extLst>
+          </p:cNvPr>
+          <p:cNvSpPr/>
+          <p:nvPr/>
+        </p:nvSpPr>
+        <p:spPr>
+          <a:xfrm>
+            <a:off x="3922225" y="2232209"/>
+            <a:ext cx="2239837" cy="639854"/>
+          </a:xfrm>
+          <a:prstGeom prst="rect">
+            <a:avLst/>
+          </a:prstGeom>
+          <a:solidFill>
+            <a:srgbClr val="ECEAEA"/>
+          </a:solidFill>
+          <a:ln>
+            <a:noFill/>
+          </a:ln>
+        </p:spPr>
+        <p:style>
+          <a:lnRef idx="2">
+            <a:schemeClr val="accent1">
+              <a:shade val="15000"/>
+            </a:schemeClr>
+          </a:lnRef>
+          <a:fillRef idx="1">
+            <a:schemeClr val="accent1"/>
+          </a:fillRef>
+          <a:effectRef idx="0">
+            <a:schemeClr val="accent1"/>
+          </a:effectRef>
+          <a:fontRef idx="minor">
+            <a:schemeClr val="lt1"/>
+          </a:fontRef>
+        </p:style>
+        <p:txBody>
+          <a:bodyPr rtlCol="0" anchor="ctr"/>
+          <a:lstStyle/>
+          <a:p>
+            <a:pPr algn="ctr"/>
+            <a:endParaRPr lang="en-SG"/>
+          </a:p>
+        </p:txBody>
+      </p:sp>
     </p:spTree>
     <p:extLst>
       <p:ext uri="{BB962C8B-B14F-4D97-AF65-F5344CB8AC3E}">
@@ -15337,7 +17053,92 @@
                                           </p:stCondLst>
                                         </p:cTn>
                                         <p:tgtEl>
-                                          <p:spTgt spid="17"/>
+                                          <p:spTgt spid="9"/>
+                                        </p:tgtEl>
+                                        <p:attrNameLst>
+                                          <p:attrName>style.visibility</p:attrName>
+                                        </p:attrNameLst>
+                                      </p:cBhvr>
+                                      <p:to>
+                                        <p:strVal val="visible"/>
+                                      </p:to>
+                                    </p:set>
+                                  </p:childTnLst>
+                                </p:cTn>
+                              </p:par>
+                              <p:par>
+                                <p:cTn id="7" presetID="1" presetClass="entr" presetSubtype="0" fill="hold" nodeType="withEffect">
+                                  <p:stCondLst>
+                                    <p:cond delay="0"/>
+                                  </p:stCondLst>
+                                  <p:childTnLst>
+                                    <p:set>
+                                      <p:cBhvr>
+                                        <p:cTn id="8" dur="1" fill="hold">
+                                          <p:stCondLst>
+                                            <p:cond delay="0"/>
+                                          </p:stCondLst>
+                                        </p:cTn>
+                                        <p:tgtEl>
+                                          <p:spTgt spid="8">
+                                            <p:txEl>
+                                              <p:pRg st="6" end="6"/>
+                                            </p:txEl>
+                                          </p:spTgt>
+                                        </p:tgtEl>
+                                        <p:attrNameLst>
+                                          <p:attrName>style.visibility</p:attrName>
+                                        </p:attrNameLst>
+                                      </p:cBhvr>
+                                      <p:to>
+                                        <p:strVal val="visible"/>
+                                      </p:to>
+                                    </p:set>
+                                  </p:childTnLst>
+                                </p:cTn>
+                              </p:par>
+                              <p:par>
+                                <p:cTn id="9" presetID="1" presetClass="entr" presetSubtype="0" fill="hold" grpId="0" nodeType="withEffect">
+                                  <p:stCondLst>
+                                    <p:cond delay="0"/>
+                                  </p:stCondLst>
+                                  <p:childTnLst>
+                                    <p:set>
+                                      <p:cBhvr>
+                                        <p:cTn id="10" dur="1" fill="hold">
+                                          <p:stCondLst>
+                                            <p:cond delay="0"/>
+                                          </p:stCondLst>
+                                        </p:cTn>
+                                        <p:tgtEl>
+                                          <p:spTgt spid="5"/>
+                                        </p:tgtEl>
+                                        <p:attrNameLst>
+                                          <p:attrName>style.visibility</p:attrName>
+                                        </p:attrNameLst>
+                                      </p:cBhvr>
+                                      <p:to>
+                                        <p:strVal val="visible"/>
+                                      </p:to>
+                                    </p:set>
+                                  </p:childTnLst>
+                                </p:cTn>
+                              </p:par>
+                              <p:par>
+                                <p:cTn id="11" presetID="1" presetClass="entr" presetSubtype="0" fill="hold" grpId="0" nodeType="withEffect">
+                                  <p:stCondLst>
+                                    <p:cond delay="0"/>
+                                  </p:stCondLst>
+                                  <p:childTnLst>
+                                    <p:set>
+                                      <p:cBhvr>
+                                        <p:cTn id="12" dur="1" fill="hold">
+                                          <p:stCondLst>
+                                            <p:cond delay="0"/>
+                                          </p:stCondLst>
+                                        </p:cTn>
+                                        <p:tgtEl>
+                                          <p:spTgt spid="6"/>
                                         </p:tgtEl>
                                         <p:attrNameLst>
                                           <p:attrName>style.visibility</p:attrName>
@@ -15357,26 +17158,218 @@
                     </p:cTn>
                   </p:par>
                   <p:par>
-                    <p:cTn id="7" fill="hold">
+                    <p:cTn id="13" fill="hold">
                       <p:stCondLst>
                         <p:cond delay="indefinite"/>
                       </p:stCondLst>
                       <p:childTnLst>
                         <p:par>
-                          <p:cTn id="8" fill="hold">
+                          <p:cTn id="14" fill="hold">
                             <p:stCondLst>
                               <p:cond delay="0"/>
                             </p:stCondLst>
                             <p:childTnLst>
                               <p:par>
-                                <p:cTn id="9" presetID="1" presetClass="entr" presetSubtype="0" fill="hold" nodeType="clickEffect">
+                                <p:cTn id="15" presetID="1" presetClass="entr" presetSubtype="0" fill="hold" nodeType="clickEffect">
                                   <p:stCondLst>
                                     <p:cond delay="0"/>
                                   </p:stCondLst>
                                   <p:childTnLst>
                                     <p:set>
                                       <p:cBhvr>
-                                        <p:cTn id="10" dur="1" fill="hold">
+                                        <p:cTn id="16" dur="1" fill="hold">
+                                          <p:stCondLst>
+                                            <p:cond delay="0"/>
+                                          </p:stCondLst>
+                                        </p:cTn>
+                                        <p:tgtEl>
+                                          <p:spTgt spid="8">
+                                            <p:txEl>
+                                              <p:pRg st="7" end="7"/>
+                                            </p:txEl>
+                                          </p:spTgt>
+                                        </p:tgtEl>
+                                        <p:attrNameLst>
+                                          <p:attrName>style.visibility</p:attrName>
+                                        </p:attrNameLst>
+                                      </p:cBhvr>
+                                      <p:to>
+                                        <p:strVal val="visible"/>
+                                      </p:to>
+                                    </p:set>
+                                  </p:childTnLst>
+                                </p:cTn>
+                              </p:par>
+                              <p:par>
+                                <p:cTn id="17" presetID="1" presetClass="exit" presetSubtype="0" fill="hold" grpId="1" nodeType="withEffect">
+                                  <p:stCondLst>
+                                    <p:cond delay="0"/>
+                                  </p:stCondLst>
+                                  <p:childTnLst>
+                                    <p:set>
+                                      <p:cBhvr>
+                                        <p:cTn id="18" dur="1" fill="hold">
+                                          <p:stCondLst>
+                                            <p:cond delay="0"/>
+                                          </p:stCondLst>
+                                        </p:cTn>
+                                        <p:tgtEl>
+                                          <p:spTgt spid="5"/>
+                                        </p:tgtEl>
+                                        <p:attrNameLst>
+                                          <p:attrName>style.visibility</p:attrName>
+                                        </p:attrNameLst>
+                                      </p:cBhvr>
+                                      <p:to>
+                                        <p:strVal val="hidden"/>
+                                      </p:to>
+                                    </p:set>
+                                  </p:childTnLst>
+                                </p:cTn>
+                              </p:par>
+                              <p:par>
+                                <p:cTn id="19" presetID="1" presetClass="entr" presetSubtype="0" fill="hold" nodeType="withEffect">
+                                  <p:stCondLst>
+                                    <p:cond delay="0"/>
+                                  </p:stCondLst>
+                                  <p:childTnLst>
+                                    <p:set>
+                                      <p:cBhvr>
+                                        <p:cTn id="20" dur="1" fill="hold">
+                                          <p:stCondLst>
+                                            <p:cond delay="0"/>
+                                          </p:stCondLst>
+                                        </p:cTn>
+                                        <p:tgtEl>
+                                          <p:spTgt spid="17"/>
+                                        </p:tgtEl>
+                                        <p:attrNameLst>
+                                          <p:attrName>style.visibility</p:attrName>
+                                        </p:attrNameLst>
+                                      </p:cBhvr>
+                                      <p:to>
+                                        <p:strVal val="visible"/>
+                                      </p:to>
+                                    </p:set>
+                                  </p:childTnLst>
+                                </p:cTn>
+                              </p:par>
+                              <p:par>
+                                <p:cTn id="21" presetID="1" presetClass="entr" presetSubtype="0" fill="hold" nodeType="withEffect">
+                                  <p:stCondLst>
+                                    <p:cond delay="0"/>
+                                  </p:stCondLst>
+                                  <p:childTnLst>
+                                    <p:set>
+                                      <p:cBhvr>
+                                        <p:cTn id="22" dur="1" fill="hold">
+                                          <p:stCondLst>
+                                            <p:cond delay="0"/>
+                                          </p:stCondLst>
+                                        </p:cTn>
+                                        <p:tgtEl>
+                                          <p:spTgt spid="8">
+                                            <p:txEl>
+                                              <p:pRg st="8" end="8"/>
+                                            </p:txEl>
+                                          </p:spTgt>
+                                        </p:tgtEl>
+                                        <p:attrNameLst>
+                                          <p:attrName>style.visibility</p:attrName>
+                                        </p:attrNameLst>
+                                      </p:cBhvr>
+                                      <p:to>
+                                        <p:strVal val="visible"/>
+                                      </p:to>
+                                    </p:set>
+                                  </p:childTnLst>
+                                </p:cTn>
+                              </p:par>
+                            </p:childTnLst>
+                          </p:cTn>
+                        </p:par>
+                      </p:childTnLst>
+                    </p:cTn>
+                  </p:par>
+                  <p:par>
+                    <p:cTn id="23" fill="hold">
+                      <p:stCondLst>
+                        <p:cond delay="indefinite"/>
+                      </p:stCondLst>
+                      <p:childTnLst>
+                        <p:par>
+                          <p:cTn id="24" fill="hold">
+                            <p:stCondLst>
+                              <p:cond delay="0"/>
+                            </p:stCondLst>
+                            <p:childTnLst>
+                              <p:par>
+                                <p:cTn id="25" presetID="1" presetClass="entr" presetSubtype="0" fill="hold" nodeType="clickEffect">
+                                  <p:stCondLst>
+                                    <p:cond delay="0"/>
+                                  </p:stCondLst>
+                                  <p:childTnLst>
+                                    <p:set>
+                                      <p:cBhvr>
+                                        <p:cTn id="26" dur="1" fill="hold">
+                                          <p:stCondLst>
+                                            <p:cond delay="0"/>
+                                          </p:stCondLst>
+                                        </p:cTn>
+                                        <p:tgtEl>
+                                          <p:spTgt spid="8">
+                                            <p:txEl>
+                                              <p:pRg st="9" end="9"/>
+                                            </p:txEl>
+                                          </p:spTgt>
+                                        </p:tgtEl>
+                                        <p:attrNameLst>
+                                          <p:attrName>style.visibility</p:attrName>
+                                        </p:attrNameLst>
+                                      </p:cBhvr>
+                                      <p:to>
+                                        <p:strVal val="visible"/>
+                                      </p:to>
+                                    </p:set>
+                                  </p:childTnLst>
+                                </p:cTn>
+                              </p:par>
+                              <p:par>
+                                <p:cTn id="27" presetID="1" presetClass="exit" presetSubtype="0" fill="hold" grpId="1" nodeType="withEffect">
+                                  <p:stCondLst>
+                                    <p:cond delay="0"/>
+                                  </p:stCondLst>
+                                  <p:childTnLst>
+                                    <p:set>
+                                      <p:cBhvr>
+                                        <p:cTn id="28" dur="1" fill="hold">
+                                          <p:stCondLst>
+                                            <p:cond delay="0"/>
+                                          </p:stCondLst>
+                                        </p:cTn>
+                                        <p:tgtEl>
+                                          <p:spTgt spid="6"/>
+                                        </p:tgtEl>
+                                        <p:attrNameLst>
+                                          <p:attrName>style.visibility</p:attrName>
+                                        </p:attrNameLst>
+                                      </p:cBhvr>
+                                      <p:to>
+                                        <p:strVal val="hidden"/>
+                                      </p:to>
+                                    </p:set>
+                                  </p:childTnLst>
+                                </p:cTn>
+                              </p:par>
+                              <p:par>
+                                <p:cTn id="29" presetID="1" presetClass="entr" presetSubtype="0" fill="hold" nodeType="withEffect">
+                                  <p:stCondLst>
+                                    <p:cond delay="0"/>
+                                  </p:stCondLst>
+                                  <p:childTnLst>
+                                    <p:set>
+                                      <p:cBhvr>
+                                        <p:cTn id="30" dur="1" fill="hold">
                                           <p:stCondLst>
                                             <p:cond delay="0"/>
                                           </p:stCondLst>
@@ -15422,6 +17415,12 @@
         </p:cTn>
       </p:par>
     </p:tnLst>
+    <p:bldLst>
+      <p:bldP spid="5" grpId="0" animBg="1"/>
+      <p:bldP spid="5" grpId="1" animBg="1"/>
+      <p:bldP spid="6" grpId="0" animBg="1"/>
+      <p:bldP spid="6" grpId="1" animBg="1"/>
+    </p:bldLst>
   </p:timing>
 </p:sld>
 </file>
@@ -15610,7 +17609,38 @@
             </a:r>
             <a:r>
               <a:rPr lang="en-US" dirty="0"/>
-              <a:t>whenever a function is called.</a:t>
+              <a:t>when a function is called </a:t>
+            </a:r>
+            <a:r>
+              <a:rPr lang="en-US" dirty="0">
+                <a:highlight>
+                  <a:srgbClr val="FFFF00"/>
+                </a:highlight>
+              </a:rPr>
+              <a:t>with the </a:t>
+            </a:r>
+            <a:r>
+              <a:rPr lang="en-US" dirty="0">
+                <a:solidFill>
+                  <a:srgbClr val="0000FF"/>
+                </a:solidFill>
+                <a:highlight>
+                  <a:srgbClr val="FFFF00"/>
+                </a:highlight>
+              </a:rPr>
+              <a:t>values </a:t>
+            </a:r>
+            <a:r>
+              <a:rPr lang="en-US" dirty="0">
+                <a:highlight>
+                  <a:srgbClr val="FFFF00"/>
+                </a:highlight>
+              </a:rPr>
+              <a:t>of the arguments copied over</a:t>
+            </a:r>
+            <a:r>
+              <a:rPr lang="en-US" dirty="0"/>
+              <a:t>.</a:t>
             </a:r>
           </a:p>
           <a:p>
@@ -16329,10 +18359,130 @@
       </p:cxnSp>
       <p:sp>
         <p:nvSpPr>
-          <p:cNvPr id="13" name="TextBox 12">
+          <p:cNvPr id="2" name="Footer Placeholder 1">
             <a:extLst>
               <a:ext uri="{FF2B5EF4-FFF2-40B4-BE49-F238E27FC236}">
-                <a16:creationId xmlns:a16="http://schemas.microsoft.com/office/drawing/2014/main" id="{3F5541F9-2A29-4702-81DB-9113464D6256}"/>
+                <a16:creationId xmlns:a16="http://schemas.microsoft.com/office/drawing/2014/main" id="{45822D7A-4E90-BE15-B8F9-DD94E9C010F6}"/>
+              </a:ext>
+            </a:extLst>
+          </p:cNvPr>
+          <p:cNvSpPr>
+            <a:spLocks noGrp="1"/>
+          </p:cNvSpPr>
+          <p:nvPr>
+            <p:ph type="ftr" sz="quarter" idx="11"/>
+          </p:nvPr>
+        </p:nvSpPr>
+        <p:spPr/>
+        <p:txBody>
+          <a:bodyPr/>
+          <a:lstStyle/>
+          <a:p>
+            <a:pPr algn="l">
+              <a:defRPr/>
+            </a:pPr>
+            <a:r>
+              <a:rPr lang="en-US"/>
+              <a:t>CS1010 (AY2023/24 Semester 2)</a:t>
+            </a:r>
+            <a:endParaRPr lang="en-US" dirty="0"/>
+          </a:p>
+        </p:txBody>
+      </p:sp>
+      <p:cxnSp>
+        <p:nvCxnSpPr>
+          <p:cNvPr id="4" name="Straight Arrow Connector 3">
+            <a:extLst>
+              <a:ext uri="{FF2B5EF4-FFF2-40B4-BE49-F238E27FC236}">
+                <a16:creationId xmlns:a16="http://schemas.microsoft.com/office/drawing/2014/main" id="{05836CB0-D4F5-A853-9090-1FFB00D8EE48}"/>
+              </a:ext>
+            </a:extLst>
+          </p:cNvPr>
+          <p:cNvCxnSpPr>
+            <a:cxnSpLocks/>
+          </p:cNvCxnSpPr>
+          <p:nvPr/>
+        </p:nvCxnSpPr>
+        <p:spPr>
+          <a:xfrm flipV="1">
+            <a:off x="2534856" y="2488557"/>
+            <a:ext cx="530957" cy="2462684"/>
+          </a:xfrm>
+          <a:prstGeom prst="straightConnector1">
+            <a:avLst/>
+          </a:prstGeom>
+          <a:ln w="25400">
+            <a:solidFill>
+              <a:srgbClr val="FF0000"/>
+            </a:solidFill>
+            <a:tailEnd type="triangle"/>
+          </a:ln>
+        </p:spPr>
+        <p:style>
+          <a:lnRef idx="1">
+            <a:schemeClr val="accent1"/>
+          </a:lnRef>
+          <a:fillRef idx="0">
+            <a:schemeClr val="accent1"/>
+          </a:fillRef>
+          <a:effectRef idx="0">
+            <a:schemeClr val="accent1"/>
+          </a:effectRef>
+          <a:fontRef idx="minor">
+            <a:schemeClr val="tx1"/>
+          </a:fontRef>
+        </p:style>
+      </p:cxnSp>
+      <p:cxnSp>
+        <p:nvCxnSpPr>
+          <p:cNvPr id="10" name="Straight Arrow Connector 9">
+            <a:extLst>
+              <a:ext uri="{FF2B5EF4-FFF2-40B4-BE49-F238E27FC236}">
+                <a16:creationId xmlns:a16="http://schemas.microsoft.com/office/drawing/2014/main" id="{1EAE10E3-8B14-B995-93FE-BD466BD11649}"/>
+              </a:ext>
+            </a:extLst>
+          </p:cNvPr>
+          <p:cNvCxnSpPr>
+            <a:cxnSpLocks/>
+          </p:cNvCxnSpPr>
+          <p:nvPr/>
+        </p:nvCxnSpPr>
+        <p:spPr>
+          <a:xfrm flipV="1">
+            <a:off x="3065813" y="2488557"/>
+            <a:ext cx="1054774" cy="2436810"/>
+          </a:xfrm>
+          <a:prstGeom prst="straightConnector1">
+            <a:avLst/>
+          </a:prstGeom>
+          <a:ln w="25400">
+            <a:solidFill>
+              <a:srgbClr val="FF0000"/>
+            </a:solidFill>
+            <a:tailEnd type="triangle"/>
+          </a:ln>
+        </p:spPr>
+        <p:style>
+          <a:lnRef idx="1">
+            <a:schemeClr val="accent1"/>
+          </a:lnRef>
+          <a:fillRef idx="0">
+            <a:schemeClr val="accent1"/>
+          </a:fillRef>
+          <a:effectRef idx="0">
+            <a:schemeClr val="accent1"/>
+          </a:effectRef>
+          <a:fontRef idx="minor">
+            <a:schemeClr val="tx1"/>
+          </a:fontRef>
+        </p:style>
+      </p:cxnSp>
+      <p:sp>
+        <p:nvSpPr>
+          <p:cNvPr id="5" name="TextBox 4">
+            <a:extLst>
+              <a:ext uri="{FF2B5EF4-FFF2-40B4-BE49-F238E27FC236}">
+                <a16:creationId xmlns:a16="http://schemas.microsoft.com/office/drawing/2014/main" id="{4AE3994A-05D5-3E99-9D62-CA5690DFC342}"/>
               </a:ext>
             </a:extLst>
           </p:cNvPr>
@@ -16341,14 +18491,14 @@
         </p:nvSpPr>
         <p:spPr>
           <a:xfrm>
-            <a:off x="6574211" y="3828455"/>
-            <a:ext cx="1818752" cy="923330"/>
+            <a:off x="5486401" y="2033397"/>
+            <a:ext cx="2302446" cy="369332"/>
           </a:xfrm>
           <a:prstGeom prst="rect">
             <a:avLst/>
           </a:prstGeom>
           <a:solidFill>
-            <a:srgbClr val="CCFFFF"/>
+            <a:srgbClr val="FFFF99"/>
           </a:solidFill>
           <a:ln w="12700"/>
         </p:spPr>
@@ -16374,38 +18524,11 @@
           <a:p>
             <a:r>
               <a:rPr lang="en-US" dirty="0"/>
-              <a:t>Why a and b have the values of 1 and 10?</a:t>
-            </a:r>
-          </a:p>
-        </p:txBody>
-      </p:sp>
-      <p:sp>
-        <p:nvSpPr>
-          <p:cNvPr id="2" name="Footer Placeholder 1">
-            <a:extLst>
-              <a:ext uri="{FF2B5EF4-FFF2-40B4-BE49-F238E27FC236}">
-                <a16:creationId xmlns:a16="http://schemas.microsoft.com/office/drawing/2014/main" id="{45822D7A-4E90-BE15-B8F9-DD94E9C010F6}"/>
-              </a:ext>
-            </a:extLst>
-          </p:cNvPr>
-          <p:cNvSpPr>
-            <a:spLocks noGrp="1"/>
-          </p:cNvSpPr>
-          <p:nvPr>
-            <p:ph type="ftr" sz="quarter" idx="11"/>
-          </p:nvPr>
-        </p:nvSpPr>
-        <p:spPr/>
-        <p:txBody>
-          <a:bodyPr/>
-          <a:lstStyle/>
-          <a:p>
-            <a:pPr algn="l">
-              <a:defRPr/>
-            </a:pPr>
-            <a:r>
-              <a:rPr lang="en-US"/>
-              <a:t>CS1010 (AY2023/24 Semester 2)</a:t>
+              <a:t>a.k.a. </a:t>
+            </a:r>
+            <a:r>
+              <a:rPr lang="en-US" b="1" dirty="0"/>
+              <a:t>Call By Value</a:t>
             </a:r>
             <a:endParaRPr lang="en-US" dirty="0"/>
           </a:p>
@@ -16424,84 +18547,6 @@
   <p:transition>
     <p:fade/>
   </p:transition>
-  <p:timing>
-    <p:tnLst>
-      <p:par>
-        <p:cTn id="1" dur="indefinite" restart="never" nodeType="tmRoot">
-          <p:childTnLst>
-            <p:seq concurrent="1" nextAc="seek">
-              <p:cTn id="2" dur="indefinite" nodeType="mainSeq">
-                <p:childTnLst>
-                  <p:par>
-                    <p:cTn id="3" fill="hold">
-                      <p:stCondLst>
-                        <p:cond delay="indefinite"/>
-                      </p:stCondLst>
-                      <p:childTnLst>
-                        <p:par>
-                          <p:cTn id="4" fill="hold">
-                            <p:stCondLst>
-                              <p:cond delay="0"/>
-                            </p:stCondLst>
-                            <p:childTnLst>
-                              <p:par>
-                                <p:cTn id="5" presetID="1" presetClass="entr" presetSubtype="0" fill="hold" grpId="0" nodeType="clickEffect">
-                                  <p:stCondLst>
-                                    <p:cond delay="0"/>
-                                  </p:stCondLst>
-                                  <p:childTnLst>
-                                    <p:set>
-                                      <p:cBhvr>
-                                        <p:cTn id="6" dur="1" fill="hold">
-                                          <p:stCondLst>
-                                            <p:cond delay="0"/>
-                                          </p:stCondLst>
-                                        </p:cTn>
-                                        <p:tgtEl>
-                                          <p:spTgt spid="13"/>
-                                        </p:tgtEl>
-                                        <p:attrNameLst>
-                                          <p:attrName>style.visibility</p:attrName>
-                                        </p:attrNameLst>
-                                      </p:cBhvr>
-                                      <p:to>
-                                        <p:strVal val="visible"/>
-                                      </p:to>
-                                    </p:set>
-                                  </p:childTnLst>
-                                </p:cTn>
-                              </p:par>
-                            </p:childTnLst>
-                          </p:cTn>
-                        </p:par>
-                      </p:childTnLst>
-                    </p:cTn>
-                  </p:par>
-                </p:childTnLst>
-              </p:cTn>
-              <p:prevCondLst>
-                <p:cond evt="onPrev" delay="0">
-                  <p:tgtEl>
-                    <p:sldTgt/>
-                  </p:tgtEl>
-                </p:cond>
-              </p:prevCondLst>
-              <p:nextCondLst>
-                <p:cond evt="onNext" delay="0">
-                  <p:tgtEl>
-                    <p:sldTgt/>
-                  </p:tgtEl>
-                </p:cond>
-              </p:nextCondLst>
-            </p:seq>
-          </p:childTnLst>
-        </p:cTn>
-      </p:par>
-    </p:tnLst>
-    <p:bldLst>
-      <p:bldP spid="13" grpId="0" animBg="1"/>
-    </p:bldLst>
-  </p:timing>
 </p:sld>
 </file>
 
@@ -16622,99 +18667,6 @@
               <a:rPr lang="en-US"/>
               <a:t>© NUS</a:t>
             </a:r>
-            <a:endParaRPr lang="en-US" dirty="0"/>
-          </a:p>
-        </p:txBody>
-      </p:sp>
-      <p:sp>
-        <p:nvSpPr>
-          <p:cNvPr id="8" name="Content Placeholder 5"/>
-          <p:cNvSpPr>
-            <a:spLocks noGrp="1"/>
-          </p:cNvSpPr>
-          <p:nvPr>
-            <p:ph idx="1"/>
-          </p:nvPr>
-        </p:nvSpPr>
-        <p:spPr>
-          <a:xfrm>
-            <a:off x="587375" y="1187450"/>
-            <a:ext cx="8292856" cy="5450114"/>
-          </a:xfrm>
-        </p:spPr>
-        <p:txBody>
-          <a:bodyPr>
-            <a:noAutofit/>
-          </a:bodyPr>
-          <a:lstStyle/>
-          <a:p>
-            <a:pPr marL="0" indent="0">
-              <a:spcBef>
-                <a:spcPts val="600"/>
-              </a:spcBef>
-              <a:buClr>
-                <a:schemeClr val="tx1">
-                  <a:lumMod val="90000"/>
-                  <a:lumOff val="10000"/>
-                </a:schemeClr>
-              </a:buClr>
-              <a:buSzPct val="100000"/>
-              <a:buNone/>
-              <a:defRPr/>
-            </a:pPr>
-            <a:endParaRPr lang="en-US" dirty="0"/>
-          </a:p>
-          <a:p>
-            <a:pPr marL="347663" indent="-347663">
-              <a:spcBef>
-                <a:spcPts val="600"/>
-              </a:spcBef>
-              <a:buClr>
-                <a:schemeClr val="tx1">
-                  <a:lumMod val="90000"/>
-                  <a:lumOff val="10000"/>
-                </a:schemeClr>
-              </a:buClr>
-              <a:buSzPct val="100000"/>
-              <a:buFont typeface="Wingdings" panose="05000000000000000000" pitchFamily="2" charset="2"/>
-              <a:buChar char="§"/>
-              <a:defRPr/>
-            </a:pPr>
-            <a:endParaRPr lang="en-US" dirty="0"/>
-          </a:p>
-          <a:p>
-            <a:pPr marL="347663" indent="-347663">
-              <a:spcBef>
-                <a:spcPts val="600"/>
-              </a:spcBef>
-              <a:buClr>
-                <a:schemeClr val="tx1">
-                  <a:lumMod val="90000"/>
-                  <a:lumOff val="10000"/>
-                </a:schemeClr>
-              </a:buClr>
-              <a:buSzPct val="100000"/>
-              <a:buFont typeface="Wingdings" panose="05000000000000000000" pitchFamily="2" charset="2"/>
-              <a:buChar char="§"/>
-              <a:defRPr/>
-            </a:pPr>
-            <a:endParaRPr lang="en-US" dirty="0"/>
-          </a:p>
-          <a:p>
-            <a:pPr marL="0" indent="0">
-              <a:spcBef>
-                <a:spcPts val="600"/>
-              </a:spcBef>
-              <a:buClr>
-                <a:schemeClr val="tx1">
-                  <a:lumMod val="90000"/>
-                  <a:lumOff val="10000"/>
-                </a:schemeClr>
-              </a:buClr>
-              <a:buSzPct val="100000"/>
-              <a:buNone/>
-              <a:defRPr/>
-            </a:pPr>
             <a:endParaRPr lang="en-US" dirty="0"/>
           </a:p>
         </p:txBody>
@@ -17392,6 +19344,151 @@
           </a:p>
         </p:txBody>
       </p:sp>
+      <p:sp>
+        <p:nvSpPr>
+          <p:cNvPr id="9" name="Content Placeholder 5">
+            <a:extLst>
+              <a:ext uri="{FF2B5EF4-FFF2-40B4-BE49-F238E27FC236}">
+                <a16:creationId xmlns:a16="http://schemas.microsoft.com/office/drawing/2014/main" id="{40E6B3F9-DCBC-DF20-8B9D-D6063B687047}"/>
+              </a:ext>
+            </a:extLst>
+          </p:cNvPr>
+          <p:cNvSpPr>
+            <a:spLocks noGrp="1"/>
+          </p:cNvSpPr>
+          <p:nvPr>
+            <p:ph idx="1"/>
+          </p:nvPr>
+        </p:nvSpPr>
+        <p:spPr>
+          <a:xfrm>
+            <a:off x="587375" y="1187450"/>
+            <a:ext cx="8292856" cy="5450114"/>
+          </a:xfrm>
+        </p:spPr>
+        <p:txBody>
+          <a:bodyPr>
+            <a:noAutofit/>
+          </a:bodyPr>
+          <a:lstStyle/>
+          <a:p>
+            <a:pPr marL="347663" indent="-347663">
+              <a:spcBef>
+                <a:spcPts val="600"/>
+              </a:spcBef>
+              <a:buClr>
+                <a:schemeClr val="tx1">
+                  <a:lumMod val="90000"/>
+                  <a:lumOff val="10000"/>
+                </a:schemeClr>
+              </a:buClr>
+              <a:buSzPct val="100000"/>
+              <a:buFont typeface="Wingdings" panose="05000000000000000000" pitchFamily="2" charset="2"/>
+              <a:buChar char="§"/>
+              <a:defRPr/>
+            </a:pPr>
+            <a:r>
+              <a:rPr lang="en-US" dirty="0"/>
+              <a:t>A </a:t>
+            </a:r>
+            <a:r>
+              <a:rPr lang="en-US" dirty="0">
+                <a:solidFill>
+                  <a:srgbClr val="0000FF"/>
+                </a:solidFill>
+              </a:rPr>
+              <a:t>Stack Frame </a:t>
+            </a:r>
+            <a:r>
+              <a:rPr lang="en-US" dirty="0"/>
+              <a:t>is added to the </a:t>
+            </a:r>
+            <a:r>
+              <a:rPr lang="en-US" dirty="0">
+                <a:solidFill>
+                  <a:srgbClr val="0000FF"/>
+                </a:solidFill>
+              </a:rPr>
+              <a:t>Call Stack </a:t>
+            </a:r>
+            <a:r>
+              <a:rPr lang="en-US" dirty="0"/>
+              <a:t>when a function is called with the values of the arguments copied over.</a:t>
+            </a:r>
+          </a:p>
+          <a:p>
+            <a:pPr marL="347663" indent="-347663">
+              <a:spcBef>
+                <a:spcPts val="600"/>
+              </a:spcBef>
+              <a:buClr>
+                <a:schemeClr val="tx1">
+                  <a:lumMod val="90000"/>
+                  <a:lumOff val="10000"/>
+                </a:schemeClr>
+              </a:buClr>
+              <a:buSzPct val="100000"/>
+              <a:buFont typeface="Wingdings" panose="05000000000000000000" pitchFamily="2" charset="2"/>
+              <a:buChar char="§"/>
+              <a:defRPr/>
+            </a:pPr>
+            <a:endParaRPr lang="en-US" dirty="0"/>
+          </a:p>
+          <a:p>
+            <a:pPr marL="347663" indent="-347663">
+              <a:spcBef>
+                <a:spcPts val="600"/>
+              </a:spcBef>
+              <a:buClr>
+                <a:schemeClr val="tx1">
+                  <a:lumMod val="90000"/>
+                  <a:lumOff val="10000"/>
+                </a:schemeClr>
+              </a:buClr>
+              <a:buSzPct val="100000"/>
+              <a:buFont typeface="Wingdings" panose="05000000000000000000" pitchFamily="2" charset="2"/>
+              <a:buChar char="§"/>
+              <a:defRPr/>
+            </a:pPr>
+            <a:endParaRPr lang="en-US" dirty="0"/>
+          </a:p>
+          <a:p>
+            <a:pPr marL="347663" indent="-347663">
+              <a:spcBef>
+                <a:spcPts val="600"/>
+              </a:spcBef>
+              <a:buClr>
+                <a:schemeClr val="tx1">
+                  <a:lumMod val="90000"/>
+                  <a:lumOff val="10000"/>
+                </a:schemeClr>
+              </a:buClr>
+              <a:buSzPct val="100000"/>
+              <a:buFont typeface="Wingdings" panose="05000000000000000000" pitchFamily="2" charset="2"/>
+              <a:buChar char="§"/>
+              <a:defRPr/>
+            </a:pPr>
+            <a:endParaRPr lang="en-US" dirty="0"/>
+          </a:p>
+          <a:p>
+            <a:pPr marL="0" indent="0">
+              <a:spcBef>
+                <a:spcPts val="600"/>
+              </a:spcBef>
+              <a:buClr>
+                <a:schemeClr val="tx1">
+                  <a:lumMod val="90000"/>
+                  <a:lumOff val="10000"/>
+                </a:schemeClr>
+              </a:buClr>
+              <a:buSzPct val="100000"/>
+              <a:buNone/>
+              <a:defRPr/>
+            </a:pPr>
+            <a:endParaRPr lang="en-US" dirty="0"/>
+          </a:p>
+        </p:txBody>
+      </p:sp>
     </p:spTree>
     <p:extLst>
       <p:ext uri="{BB962C8B-B14F-4D97-AF65-F5344CB8AC3E}">
@@ -18304,60 +20401,13 @@
           <a:p>
             <a:r>
               <a:rPr lang="en-US" dirty="0"/>
-              <a:t>The Call Stack after add() has been completed</a:t>
-            </a:r>
-          </a:p>
-        </p:txBody>
-      </p:sp>
-      <p:sp>
-        <p:nvSpPr>
-          <p:cNvPr id="14" name="TextBox 13">
-            <a:extLst>
-              <a:ext uri="{FF2B5EF4-FFF2-40B4-BE49-F238E27FC236}">
-                <a16:creationId xmlns:a16="http://schemas.microsoft.com/office/drawing/2014/main" id="{ABCDA235-E9FB-46F0-BDE6-5C946D40DFEF}"/>
-              </a:ext>
-            </a:extLst>
-          </p:cNvPr>
-          <p:cNvSpPr txBox="1"/>
-          <p:nvPr/>
-        </p:nvSpPr>
-        <p:spPr>
-          <a:xfrm>
-            <a:off x="6548204" y="4121209"/>
-            <a:ext cx="1818752" cy="646331"/>
-          </a:xfrm>
-          <a:prstGeom prst="rect">
-            <a:avLst/>
-          </a:prstGeom>
-          <a:solidFill>
-            <a:srgbClr val="CCFFFF"/>
-          </a:solidFill>
-          <a:ln w="12700"/>
-        </p:spPr>
-        <p:style>
-          <a:lnRef idx="2">
-            <a:schemeClr val="accent4"/>
-          </a:lnRef>
-          <a:fillRef idx="1">
-            <a:schemeClr val="lt1"/>
-          </a:fillRef>
-          <a:effectRef idx="0">
-            <a:schemeClr val="accent4"/>
-          </a:effectRef>
-          <a:fontRef idx="minor">
-            <a:schemeClr val="dk1"/>
-          </a:fontRef>
-        </p:style>
-        <p:txBody>
-          <a:bodyPr wrap="square" rtlCol="0">
-            <a:spAutoFit/>
-          </a:bodyPr>
-          <a:lstStyle/>
-          <a:p>
-            <a:r>
-              <a:rPr lang="en-US" dirty="0"/>
-              <a:t>Why y has the value of 11?</a:t>
-            </a:r>
+              <a:t>The Call Stack after add() has </a:t>
+            </a:r>
+            <a:r>
+              <a:rPr lang="en-US"/>
+              <a:t>been completed.</a:t>
+            </a:r>
+            <a:endParaRPr lang="en-US" dirty="0"/>
           </a:p>
         </p:txBody>
       </p:sp>
@@ -18406,84 +20456,6 @@
   <p:transition>
     <p:fade/>
   </p:transition>
-  <p:timing>
-    <p:tnLst>
-      <p:par>
-        <p:cTn id="1" dur="indefinite" restart="never" nodeType="tmRoot">
-          <p:childTnLst>
-            <p:seq concurrent="1" nextAc="seek">
-              <p:cTn id="2" dur="indefinite" nodeType="mainSeq">
-                <p:childTnLst>
-                  <p:par>
-                    <p:cTn id="3" fill="hold">
-                      <p:stCondLst>
-                        <p:cond delay="indefinite"/>
-                      </p:stCondLst>
-                      <p:childTnLst>
-                        <p:par>
-                          <p:cTn id="4" fill="hold">
-                            <p:stCondLst>
-                              <p:cond delay="0"/>
-                            </p:stCondLst>
-                            <p:childTnLst>
-                              <p:par>
-                                <p:cTn id="5" presetID="1" presetClass="entr" presetSubtype="0" fill="hold" grpId="0" nodeType="clickEffect">
-                                  <p:stCondLst>
-                                    <p:cond delay="0"/>
-                                  </p:stCondLst>
-                                  <p:childTnLst>
-                                    <p:set>
-                                      <p:cBhvr>
-                                        <p:cTn id="6" dur="1" fill="hold">
-                                          <p:stCondLst>
-                                            <p:cond delay="0"/>
-                                          </p:stCondLst>
-                                        </p:cTn>
-                                        <p:tgtEl>
-                                          <p:spTgt spid="14"/>
-                                        </p:tgtEl>
-                                        <p:attrNameLst>
-                                          <p:attrName>style.visibility</p:attrName>
-                                        </p:attrNameLst>
-                                      </p:cBhvr>
-                                      <p:to>
-                                        <p:strVal val="visible"/>
-                                      </p:to>
-                                    </p:set>
-                                  </p:childTnLst>
-                                </p:cTn>
-                              </p:par>
-                            </p:childTnLst>
-                          </p:cTn>
-                        </p:par>
-                      </p:childTnLst>
-                    </p:cTn>
-                  </p:par>
-                </p:childTnLst>
-              </p:cTn>
-              <p:prevCondLst>
-                <p:cond evt="onPrev" delay="0">
-                  <p:tgtEl>
-                    <p:sldTgt/>
-                  </p:tgtEl>
-                </p:cond>
-              </p:prevCondLst>
-              <p:nextCondLst>
-                <p:cond evt="onNext" delay="0">
-                  <p:tgtEl>
-                    <p:sldTgt/>
-                  </p:tgtEl>
-                </p:cond>
-              </p:nextCondLst>
-            </p:seq>
-          </p:childTnLst>
-        </p:cTn>
-      </p:par>
-    </p:tnLst>
-    <p:bldLst>
-      <p:bldP spid="14" grpId="0" animBg="1"/>
-    </p:bldLst>
-  </p:timing>
 </p:sld>
 </file>
 
